--- a/lecture-materials/Security/macie/macie.pptx
+++ b/lecture-materials/Security/macie/macie.pptx
@@ -5,16 +5,19 @@
     <p:sldMasterId id="2147483672" r:id="rId1"/>
   </p:sldMasterIdLst>
   <p:notesMasterIdLst>
-    <p:notesMasterId r:id="rId9"/>
+    <p:notesMasterId r:id="rId12"/>
   </p:notesMasterIdLst>
   <p:sldIdLst>
-    <p:sldId id="256" r:id="rId2"/>
+    <p:sldId id="263" r:id="rId2"/>
     <p:sldId id="257" r:id="rId3"/>
-    <p:sldId id="258" r:id="rId4"/>
-    <p:sldId id="259" r:id="rId5"/>
-    <p:sldId id="260" r:id="rId6"/>
-    <p:sldId id="262" r:id="rId7"/>
-    <p:sldId id="261" r:id="rId8"/>
+    <p:sldId id="256" r:id="rId4"/>
+    <p:sldId id="258" r:id="rId5"/>
+    <p:sldId id="259" r:id="rId6"/>
+    <p:sldId id="260" r:id="rId7"/>
+    <p:sldId id="262" r:id="rId8"/>
+    <p:sldId id="264" r:id="rId9"/>
+    <p:sldId id="265" r:id="rId10"/>
+    <p:sldId id="261" r:id="rId11"/>
   </p:sldIdLst>
   <p:sldSz cx="9144000" cy="5143500" type="screen16x9"/>
   <p:notesSz cx="6858000" cy="9144000"/>
@@ -826,7 +829,7 @@
           <a:p>
             <a:fld id="{9AB3A824-1A51-4B26-AD58-A6D8E14F6C04}" type="datetimeFigureOut">
               <a:rPr lang="en-US" smtClean="0"/>
-              <a:t>9/2/23</a:t>
+              <a:t>12/26/23</a:t>
             </a:fld>
             <a:endParaRPr lang="en-US" dirty="0"/>
           </a:p>
@@ -1041,7 +1044,7 @@
           <a:p>
             <a:fld id="{D857E33E-8B18-4087-B112-809917729534}" type="datetimeFigureOut">
               <a:rPr lang="en-US" smtClean="0"/>
-              <a:t>9/2/23</a:t>
+              <a:t>12/26/23</a:t>
             </a:fld>
             <a:endParaRPr lang="en-US" dirty="0"/>
           </a:p>
@@ -1266,7 +1269,7 @@
           <a:p>
             <a:fld id="{D3FFE419-2371-464F-8239-3959401C3561}" type="datetimeFigureOut">
               <a:rPr lang="en-US" smtClean="0"/>
-              <a:t>9/2/23</a:t>
+              <a:t>12/26/23</a:t>
             </a:fld>
             <a:endParaRPr lang="en-US" dirty="0"/>
           </a:p>
@@ -1481,7 +1484,7 @@
           <a:p>
             <a:fld id="{97D162C4-EDD9-4389-A98B-B87ECEA2A816}" type="datetimeFigureOut">
               <a:rPr lang="en-US" smtClean="0"/>
-              <a:t>9/2/23</a:t>
+              <a:t>12/26/23</a:t>
             </a:fld>
             <a:endParaRPr lang="en-US" dirty="0"/>
           </a:p>
@@ -1772,7 +1775,7 @@
           <a:p>
             <a:fld id="{3E5059C3-6A89-4494-99FF-5A4D6FFD50EB}" type="datetimeFigureOut">
               <a:rPr lang="en-US" smtClean="0"/>
-              <a:t>9/2/23</a:t>
+              <a:t>12/26/23</a:t>
             </a:fld>
             <a:endParaRPr lang="en-US" dirty="0"/>
           </a:p>
@@ -2055,7 +2058,7 @@
           <a:p>
             <a:fld id="{CA954B2F-12DE-47F5-8894-472B206D2E1E}" type="datetimeFigureOut">
               <a:rPr lang="en-US" smtClean="0"/>
-              <a:t>9/2/23</a:t>
+              <a:t>12/26/23</a:t>
             </a:fld>
             <a:endParaRPr lang="en-US" dirty="0"/>
           </a:p>
@@ -2485,7 +2488,7 @@
           <a:p>
             <a:fld id="{3F30E46F-7819-4ACF-B48B-48222C2ACC88}" type="datetimeFigureOut">
               <a:rPr lang="en-US" smtClean="0"/>
-              <a:t>9/2/23</a:t>
+              <a:t>12/26/23</a:t>
             </a:fld>
             <a:endParaRPr lang="en-US" dirty="0"/>
           </a:p>
@@ -2642,7 +2645,7 @@
           <a:p>
             <a:fld id="{1FAF3416-4057-4DAA-829D-4CA07428D088}" type="datetimeFigureOut">
               <a:rPr lang="en-US" smtClean="0"/>
-              <a:t>9/2/23</a:t>
+              <a:t>12/26/23</a:t>
             </a:fld>
             <a:endParaRPr lang="en-US" dirty="0"/>
           </a:p>
@@ -2770,7 +2773,7 @@
           <a:p>
             <a:fld id="{921D9284-D300-4297-87F7-E791DCC15DB1}" type="datetimeFigureOut">
               <a:rPr lang="en-US" smtClean="0"/>
-              <a:t>9/2/23</a:t>
+              <a:t>12/26/23</a:t>
             </a:fld>
             <a:endParaRPr lang="en-US" dirty="0"/>
           </a:p>
@@ -3097,7 +3100,7 @@
           <a:p>
             <a:fld id="{37D525BB-DA17-4BA0-B3C8-3AC3ABC827E6}" type="datetimeFigureOut">
               <a:rPr lang="en-US" smtClean="0"/>
-              <a:t>9/2/23</a:t>
+              <a:t>12/26/23</a:t>
             </a:fld>
             <a:endParaRPr lang="en-US" dirty="0"/>
           </a:p>
@@ -3401,7 +3404,7 @@
           <a:p>
             <a:fld id="{B16C4C9A-3960-41CF-A4E9-2A8FB932454B}" type="datetimeFigureOut">
               <a:rPr lang="en-US" smtClean="0"/>
-              <a:t>9/2/23</a:t>
+              <a:t>12/26/23</a:t>
             </a:fld>
             <a:endParaRPr lang="en-US" dirty="0"/>
           </a:p>
@@ -3659,7 +3662,7 @@
           <a:p>
             <a:fld id="{3CBC1C18-307B-4F68-A007-B5B542270E8D}" type="datetimeFigureOut">
               <a:rPr lang="en-US" smtClean="0"/>
-              <a:t>9/2/23</a:t>
+              <a:t>12/26/23</a:t>
             </a:fld>
             <a:endParaRPr lang="en-US" dirty="0"/>
           </a:p>
@@ -4087,6 +4090,1764 @@
     </p:bg>
     <p:spTree>
       <p:nvGrpSpPr>
+        <p:cNvPr id="1" name=""/>
+        <p:cNvGrpSpPr/>
+        <p:nvPr/>
+      </p:nvGrpSpPr>
+      <p:grpSpPr>
+        <a:xfrm>
+          <a:off x="0" y="0"/>
+          <a:ext cx="0" cy="0"/>
+          <a:chOff x="0" y="0"/>
+          <a:chExt cx="0" cy="0"/>
+        </a:xfrm>
+      </p:grpSpPr>
+      <p:sp useBgFill="1">
+        <p:nvSpPr>
+          <p:cNvPr id="7" name="Rectangle 6">
+            <a:extLst>
+              <a:ext uri="{FF2B5EF4-FFF2-40B4-BE49-F238E27FC236}">
+                <a16:creationId xmlns:a16="http://schemas.microsoft.com/office/drawing/2014/main" id="{6F5A5072-7B47-4D32-B52A-4EBBF590B8A5}"/>
+              </a:ext>
+              <a:ext uri="{C183D7F6-B498-43B3-948B-1728B52AA6E4}">
+                <adec:decorative xmlns:adec="http://schemas.microsoft.com/office/drawing/2017/decorative" val="1"/>
+              </a:ext>
+            </a:extLst>
+          </p:cNvPr>
+          <p:cNvSpPr>
+            <a:spLocks noGrp="1" noRot="1" noChangeAspect="1" noMove="1" noResize="1" noEditPoints="1" noAdjustHandles="1" noChangeArrowheads="1" noChangeShapeType="1" noTextEdit="1"/>
+          </p:cNvSpPr>
+          <p:nvPr>
+            <p:extLst>
+              <p:ext uri="{386F3935-93C4-4BCD-93E2-E3B085C9AB24}">
+                <p16:designElem xmlns:p16="http://schemas.microsoft.com/office/powerpoint/2015/main" val="1"/>
+              </p:ext>
+            </p:extLst>
+          </p:nvPr>
+        </p:nvSpPr>
+        <p:spPr>
+          <a:xfrm>
+            <a:off x="0" y="0"/>
+            <a:ext cx="9144000" cy="5143500"/>
+          </a:xfrm>
+          <a:prstGeom prst="rect">
+            <a:avLst/>
+          </a:prstGeom>
+          <a:ln w="12700" cap="flat" cmpd="sng" algn="ctr">
+            <a:noFill/>
+            <a:prstDash val="solid"/>
+            <a:miter lim="800000"/>
+          </a:ln>
+          <a:effectLst/>
+          <a:extLst>
+            <a:ext uri="{91240B29-F687-4F45-9708-019B960494DF}">
+              <a14:hiddenLine xmlns:a14="http://schemas.microsoft.com/office/drawing/2010/main" w="12700" cap="flat" cmpd="sng" algn="ctr">
+                <a:solidFill>
+                  <a:schemeClr val="accent1">
+                    <a:shade val="50000"/>
+                  </a:schemeClr>
+                </a:solidFill>
+                <a:prstDash val="solid"/>
+                <a:miter lim="800000"/>
+              </a14:hiddenLine>
+            </a:ext>
+          </a:extLst>
+        </p:spPr>
+        <p:style>
+          <a:lnRef idx="2">
+            <a:schemeClr val="accent1">
+              <a:shade val="50000"/>
+            </a:schemeClr>
+          </a:lnRef>
+          <a:fillRef idx="1">
+            <a:schemeClr val="accent1"/>
+          </a:fillRef>
+          <a:effectRef idx="0">
+            <a:schemeClr val="accent1"/>
+          </a:effectRef>
+          <a:fontRef idx="minor">
+            <a:schemeClr val="lt1"/>
+          </a:fontRef>
+        </p:style>
+        <p:txBody>
+          <a:bodyPr rtlCol="0" anchor="ctr"/>
+          <a:lstStyle/>
+          <a:p>
+            <a:pPr algn="ctr"/>
+            <a:endParaRPr lang="en-US"/>
+          </a:p>
+        </p:txBody>
+      </p:sp>
+      <p:sp>
+        <p:nvSpPr>
+          <p:cNvPr id="9" name="Rectangle 8">
+            <a:extLst>
+              <a:ext uri="{FF2B5EF4-FFF2-40B4-BE49-F238E27FC236}">
+                <a16:creationId xmlns:a16="http://schemas.microsoft.com/office/drawing/2014/main" id="{9715DAF0-AE1B-46C9-8A6B-DB2AA05AB91D}"/>
+              </a:ext>
+              <a:ext uri="{C183D7F6-B498-43B3-948B-1728B52AA6E4}">
+                <adec:decorative xmlns:adec="http://schemas.microsoft.com/office/drawing/2017/decorative" val="1"/>
+              </a:ext>
+            </a:extLst>
+          </p:cNvPr>
+          <p:cNvSpPr>
+            <a:spLocks noGrp="1" noRot="1" noChangeAspect="1" noMove="1" noResize="1" noEditPoints="1" noAdjustHandles="1" noChangeArrowheads="1" noChangeShapeType="1" noTextEdit="1"/>
+          </p:cNvSpPr>
+          <p:nvPr>
+            <p:extLst>
+              <p:ext uri="{386F3935-93C4-4BCD-93E2-E3B085C9AB24}">
+                <p16:designElem xmlns:p16="http://schemas.microsoft.com/office/powerpoint/2015/main" val="1"/>
+              </p:ext>
+            </p:extLst>
+          </p:nvPr>
+        </p:nvSpPr>
+        <p:spPr>
+          <a:xfrm rot="10800000">
+            <a:off x="-1" y="-17019"/>
+            <a:ext cx="9143998" cy="3280596"/>
+          </a:xfrm>
+          <a:prstGeom prst="rect">
+            <a:avLst/>
+          </a:prstGeom>
+          <a:gradFill>
+            <a:gsLst>
+              <a:gs pos="0">
+                <a:schemeClr val="accent1">
+                  <a:lumMod val="75000"/>
+                </a:schemeClr>
+              </a:gs>
+              <a:gs pos="100000">
+                <a:srgbClr val="000000"/>
+              </a:gs>
+            </a:gsLst>
+            <a:lin ang="15000000" scaled="0"/>
+          </a:gradFill>
+          <a:ln>
+            <a:noFill/>
+          </a:ln>
+        </p:spPr>
+        <p:style>
+          <a:lnRef idx="2">
+            <a:schemeClr val="accent1">
+              <a:shade val="50000"/>
+            </a:schemeClr>
+          </a:lnRef>
+          <a:fillRef idx="1">
+            <a:schemeClr val="accent1"/>
+          </a:fillRef>
+          <a:effectRef idx="0">
+            <a:schemeClr val="accent1"/>
+          </a:effectRef>
+          <a:fontRef idx="minor">
+            <a:schemeClr val="lt1"/>
+          </a:fontRef>
+        </p:style>
+        <p:txBody>
+          <a:bodyPr rtlCol="0" anchor="ctr"/>
+          <a:lstStyle/>
+          <a:p>
+            <a:pPr algn="ctr"/>
+            <a:endParaRPr lang="en-US"/>
+          </a:p>
+        </p:txBody>
+      </p:sp>
+      <p:sp>
+        <p:nvSpPr>
+          <p:cNvPr id="11" name="Rectangle 10">
+            <a:extLst>
+              <a:ext uri="{FF2B5EF4-FFF2-40B4-BE49-F238E27FC236}">
+                <a16:creationId xmlns:a16="http://schemas.microsoft.com/office/drawing/2014/main" id="{6016219D-510E-4184-9090-6D5578A87BD1}"/>
+              </a:ext>
+              <a:ext uri="{C183D7F6-B498-43B3-948B-1728B52AA6E4}">
+                <adec:decorative xmlns:adec="http://schemas.microsoft.com/office/drawing/2017/decorative" val="1"/>
+              </a:ext>
+            </a:extLst>
+          </p:cNvPr>
+          <p:cNvSpPr>
+            <a:spLocks noGrp="1" noRot="1" noChangeAspect="1" noMove="1" noResize="1" noEditPoints="1" noAdjustHandles="1" noChangeArrowheads="1" noChangeShapeType="1" noTextEdit="1"/>
+          </p:cNvSpPr>
+          <p:nvPr>
+            <p:extLst>
+              <p:ext uri="{386F3935-93C4-4BCD-93E2-E3B085C9AB24}">
+                <p16:designElem xmlns:p16="http://schemas.microsoft.com/office/powerpoint/2015/main" val="1"/>
+              </p:ext>
+            </p:extLst>
+          </p:nvPr>
+        </p:nvSpPr>
+        <p:spPr>
+          <a:xfrm rot="5400000">
+            <a:off x="2931539" y="-2948881"/>
+            <a:ext cx="3280918" cy="9144000"/>
+          </a:xfrm>
+          <a:prstGeom prst="rect">
+            <a:avLst/>
+          </a:prstGeom>
+          <a:gradFill>
+            <a:gsLst>
+              <a:gs pos="40000">
+                <a:schemeClr val="accent1">
+                  <a:alpha val="0"/>
+                </a:schemeClr>
+              </a:gs>
+              <a:gs pos="100000">
+                <a:schemeClr val="accent1">
+                  <a:lumMod val="75000"/>
+                  <a:alpha val="52000"/>
+                </a:schemeClr>
+              </a:gs>
+            </a:gsLst>
+            <a:lin ang="2400000" scaled="0"/>
+          </a:gradFill>
+          <a:ln>
+            <a:noFill/>
+          </a:ln>
+        </p:spPr>
+        <p:style>
+          <a:lnRef idx="2">
+            <a:schemeClr val="accent1">
+              <a:shade val="50000"/>
+            </a:schemeClr>
+          </a:lnRef>
+          <a:fillRef idx="1">
+            <a:schemeClr val="accent1"/>
+          </a:fillRef>
+          <a:effectRef idx="0">
+            <a:schemeClr val="accent1"/>
+          </a:effectRef>
+          <a:fontRef idx="minor">
+            <a:schemeClr val="lt1"/>
+          </a:fontRef>
+        </p:style>
+        <p:txBody>
+          <a:bodyPr rtlCol="0" anchor="ctr"/>
+          <a:lstStyle/>
+          <a:p>
+            <a:pPr algn="ctr"/>
+            <a:endParaRPr lang="en-US"/>
+          </a:p>
+        </p:txBody>
+      </p:sp>
+      <p:sp>
+        <p:nvSpPr>
+          <p:cNvPr id="13" name="Rectangle 12">
+            <a:extLst>
+              <a:ext uri="{FF2B5EF4-FFF2-40B4-BE49-F238E27FC236}">
+                <a16:creationId xmlns:a16="http://schemas.microsoft.com/office/drawing/2014/main" id="{AFF4A713-7B75-4B21-90D7-5AB19547C728}"/>
+              </a:ext>
+              <a:ext uri="{C183D7F6-B498-43B3-948B-1728B52AA6E4}">
+                <adec:decorative xmlns:adec="http://schemas.microsoft.com/office/drawing/2017/decorative" val="1"/>
+              </a:ext>
+            </a:extLst>
+          </p:cNvPr>
+          <p:cNvSpPr>
+            <a:spLocks noGrp="1" noRot="1" noChangeAspect="1" noMove="1" noResize="1" noEditPoints="1" noAdjustHandles="1" noChangeArrowheads="1" noChangeShapeType="1" noTextEdit="1"/>
+          </p:cNvSpPr>
+          <p:nvPr>
+            <p:extLst>
+              <p:ext uri="{386F3935-93C4-4BCD-93E2-E3B085C9AB24}">
+                <p16:designElem xmlns:p16="http://schemas.microsoft.com/office/powerpoint/2015/main" val="1"/>
+              </p:ext>
+            </p:extLst>
+          </p:nvPr>
+        </p:nvSpPr>
+        <p:spPr>
+          <a:xfrm rot="5400000">
+            <a:off x="3102522" y="-2777901"/>
+            <a:ext cx="3280596" cy="8802359"/>
+          </a:xfrm>
+          <a:prstGeom prst="rect">
+            <a:avLst/>
+          </a:prstGeom>
+          <a:gradFill>
+            <a:gsLst>
+              <a:gs pos="17000">
+                <a:schemeClr val="accent1">
+                  <a:alpha val="0"/>
+                </a:schemeClr>
+              </a:gs>
+              <a:gs pos="100000">
+                <a:srgbClr val="000000">
+                  <a:alpha val="37000"/>
+                </a:srgbClr>
+              </a:gs>
+            </a:gsLst>
+            <a:lin ang="7800000" scaled="0"/>
+          </a:gradFill>
+          <a:ln>
+            <a:noFill/>
+          </a:ln>
+        </p:spPr>
+        <p:style>
+          <a:lnRef idx="2">
+            <a:schemeClr val="accent1">
+              <a:shade val="50000"/>
+            </a:schemeClr>
+          </a:lnRef>
+          <a:fillRef idx="1">
+            <a:schemeClr val="accent1"/>
+          </a:fillRef>
+          <a:effectRef idx="0">
+            <a:schemeClr val="accent1"/>
+          </a:effectRef>
+          <a:fontRef idx="minor">
+            <a:schemeClr val="lt1"/>
+          </a:fontRef>
+        </p:style>
+        <p:txBody>
+          <a:bodyPr rtlCol="0" anchor="ctr"/>
+          <a:lstStyle/>
+          <a:p>
+            <a:pPr algn="ctr"/>
+            <a:endParaRPr lang="en-US"/>
+          </a:p>
+        </p:txBody>
+      </p:sp>
+      <p:sp>
+        <p:nvSpPr>
+          <p:cNvPr id="15" name="Rectangle 14">
+            <a:extLst>
+              <a:ext uri="{FF2B5EF4-FFF2-40B4-BE49-F238E27FC236}">
+                <a16:creationId xmlns:a16="http://schemas.microsoft.com/office/drawing/2014/main" id="{DC631C0B-6DA6-4E57-8231-CE32B3434A7E}"/>
+              </a:ext>
+              <a:ext uri="{C183D7F6-B498-43B3-948B-1728B52AA6E4}">
+                <adec:decorative xmlns:adec="http://schemas.microsoft.com/office/drawing/2017/decorative" val="1"/>
+              </a:ext>
+            </a:extLst>
+          </p:cNvPr>
+          <p:cNvSpPr>
+            <a:spLocks noGrp="1" noRot="1" noChangeAspect="1" noMove="1" noResize="1" noEditPoints="1" noAdjustHandles="1" noChangeArrowheads="1" noChangeShapeType="1" noTextEdit="1"/>
+          </p:cNvSpPr>
+          <p:nvPr>
+            <p:extLst>
+              <p:ext uri="{386F3935-93C4-4BCD-93E2-E3B085C9AB24}">
+                <p16:designElem xmlns:p16="http://schemas.microsoft.com/office/powerpoint/2015/main" val="1"/>
+              </p:ext>
+            </p:extLst>
+          </p:nvPr>
+        </p:nvSpPr>
+        <p:spPr>
+          <a:xfrm>
+            <a:off x="-3" y="-17017"/>
+            <a:ext cx="6406863" cy="3280594"/>
+          </a:xfrm>
+          <a:prstGeom prst="rect">
+            <a:avLst/>
+          </a:prstGeom>
+          <a:gradFill>
+            <a:gsLst>
+              <a:gs pos="0">
+                <a:schemeClr val="accent1">
+                  <a:lumMod val="50000"/>
+                  <a:alpha val="0"/>
+                </a:schemeClr>
+              </a:gs>
+              <a:gs pos="100000">
+                <a:srgbClr val="000000">
+                  <a:alpha val="25000"/>
+                </a:srgbClr>
+              </a:gs>
+            </a:gsLst>
+            <a:lin ang="18600000" scaled="0"/>
+          </a:gradFill>
+          <a:ln>
+            <a:noFill/>
+          </a:ln>
+        </p:spPr>
+        <p:style>
+          <a:lnRef idx="2">
+            <a:schemeClr val="accent1">
+              <a:shade val="50000"/>
+            </a:schemeClr>
+          </a:lnRef>
+          <a:fillRef idx="1">
+            <a:schemeClr val="accent1"/>
+          </a:fillRef>
+          <a:effectRef idx="0">
+            <a:schemeClr val="accent1"/>
+          </a:effectRef>
+          <a:fontRef idx="minor">
+            <a:schemeClr val="lt1"/>
+          </a:fontRef>
+        </p:style>
+        <p:txBody>
+          <a:bodyPr rtlCol="0" anchor="ctr"/>
+          <a:lstStyle/>
+          <a:p>
+            <a:pPr algn="ctr"/>
+            <a:endParaRPr lang="en-US"/>
+          </a:p>
+        </p:txBody>
+      </p:sp>
+      <p:sp>
+        <p:nvSpPr>
+          <p:cNvPr id="17" name="Freeform: Shape 16">
+            <a:extLst>
+              <a:ext uri="{FF2B5EF4-FFF2-40B4-BE49-F238E27FC236}">
+                <a16:creationId xmlns:a16="http://schemas.microsoft.com/office/drawing/2014/main" id="{C29501E6-A978-4A61-9689-9085AF97A53A}"/>
+              </a:ext>
+              <a:ext uri="{C183D7F6-B498-43B3-948B-1728B52AA6E4}">
+                <adec:decorative xmlns:adec="http://schemas.microsoft.com/office/drawing/2017/decorative" val="1"/>
+              </a:ext>
+            </a:extLst>
+          </p:cNvPr>
+          <p:cNvSpPr>
+            <a:spLocks noGrp="1" noRot="1" noChangeAspect="1" noMove="1" noResize="1" noEditPoints="1" noAdjustHandles="1" noChangeArrowheads="1" noChangeShapeType="1" noTextEdit="1"/>
+          </p:cNvSpPr>
+          <p:nvPr>
+            <p:extLst>
+              <p:ext uri="{386F3935-93C4-4BCD-93E2-E3B085C9AB24}">
+                <p16:designElem xmlns:p16="http://schemas.microsoft.com/office/powerpoint/2015/main" val="1"/>
+              </p:ext>
+            </p:extLst>
+          </p:nvPr>
+        </p:nvSpPr>
+        <p:spPr>
+          <a:xfrm rot="12508972">
+            <a:off x="4459073" y="-774039"/>
+            <a:ext cx="3742610" cy="3329347"/>
+          </a:xfrm>
+          <a:custGeom>
+            <a:avLst/>
+            <a:gdLst>
+              <a:gd name="connsiteX0" fmla="*/ 4990147 w 4990147"/>
+              <a:gd name="connsiteY0" fmla="*/ 2229378 h 4439131"/>
+              <a:gd name="connsiteX1" fmla="*/ 917384 w 4990147"/>
+              <a:gd name="connsiteY1" fmla="*/ 4439131 h 4439131"/>
+              <a:gd name="connsiteX2" fmla="*/ 910814 w 4990147"/>
+              <a:gd name="connsiteY2" fmla="*/ 4434219 h 4439131"/>
+              <a:gd name="connsiteX3" fmla="*/ 0 w 4990147"/>
+              <a:gd name="connsiteY3" fmla="*/ 2502877 h 4439131"/>
+              <a:gd name="connsiteX4" fmla="*/ 2502877 w 4990147"/>
+              <a:gd name="connsiteY4" fmla="*/ 0 h 4439131"/>
+              <a:gd name="connsiteX5" fmla="*/ 4954904 w 4990147"/>
+              <a:gd name="connsiteY5" fmla="*/ 1998460 h 4439131"/>
+            </a:gdLst>
+            <a:ahLst/>
+            <a:cxnLst>
+              <a:cxn ang="0">
+                <a:pos x="connsiteX0" y="connsiteY0"/>
+              </a:cxn>
+              <a:cxn ang="0">
+                <a:pos x="connsiteX1" y="connsiteY1"/>
+              </a:cxn>
+              <a:cxn ang="0">
+                <a:pos x="connsiteX2" y="connsiteY2"/>
+              </a:cxn>
+              <a:cxn ang="0">
+                <a:pos x="connsiteX3" y="connsiteY3"/>
+              </a:cxn>
+              <a:cxn ang="0">
+                <a:pos x="connsiteX4" y="connsiteY4"/>
+              </a:cxn>
+              <a:cxn ang="0">
+                <a:pos x="connsiteX5" y="connsiteY5"/>
+              </a:cxn>
+            </a:cxnLst>
+            <a:rect l="l" t="t" r="r" b="b"/>
+            <a:pathLst>
+              <a:path w="4990147" h="4439131">
+                <a:moveTo>
+                  <a:pt x="4990147" y="2229378"/>
+                </a:moveTo>
+                <a:lnTo>
+                  <a:pt x="917384" y="4439131"/>
+                </a:lnTo>
+                <a:lnTo>
+                  <a:pt x="910814" y="4434219"/>
+                </a:lnTo>
+                <a:cubicBezTo>
+                  <a:pt x="354557" y="3975154"/>
+                  <a:pt x="0" y="3280421"/>
+                  <a:pt x="0" y="2502877"/>
+                </a:cubicBezTo>
+                <a:cubicBezTo>
+                  <a:pt x="0" y="1120576"/>
+                  <a:pt x="1120576" y="0"/>
+                  <a:pt x="2502877" y="0"/>
+                </a:cubicBezTo>
+                <a:cubicBezTo>
+                  <a:pt x="3712390" y="0"/>
+                  <a:pt x="4721520" y="857941"/>
+                  <a:pt x="4954904" y="1998460"/>
+                </a:cubicBezTo>
+                <a:close/>
+              </a:path>
+            </a:pathLst>
+          </a:custGeom>
+          <a:gradFill>
+            <a:gsLst>
+              <a:gs pos="0">
+                <a:schemeClr val="accent1">
+                  <a:alpha val="22000"/>
+                </a:schemeClr>
+              </a:gs>
+              <a:gs pos="87000">
+                <a:schemeClr val="accent1">
+                  <a:lumMod val="60000"/>
+                  <a:lumOff val="40000"/>
+                  <a:alpha val="2000"/>
+                </a:schemeClr>
+              </a:gs>
+            </a:gsLst>
+            <a:lin ang="8400000" scaled="0"/>
+          </a:gradFill>
+          <a:ln>
+            <a:noFill/>
+          </a:ln>
+        </p:spPr>
+        <p:style>
+          <a:lnRef idx="2">
+            <a:schemeClr val="accent1">
+              <a:shade val="50000"/>
+            </a:schemeClr>
+          </a:lnRef>
+          <a:fillRef idx="1">
+            <a:schemeClr val="accent1"/>
+          </a:fillRef>
+          <a:effectRef idx="0">
+            <a:schemeClr val="accent1"/>
+          </a:effectRef>
+          <a:fontRef idx="minor">
+            <a:schemeClr val="lt1"/>
+          </a:fontRef>
+        </p:style>
+        <p:txBody>
+          <a:bodyPr wrap="square" rtlCol="0" anchor="ctr">
+            <a:noAutofit/>
+          </a:bodyPr>
+          <a:lstStyle/>
+          <a:p>
+            <a:pPr algn="ctr"/>
+            <a:endParaRPr lang="en-US" dirty="0"/>
+          </a:p>
+        </p:txBody>
+      </p:sp>
+      <p:sp>
+        <p:nvSpPr>
+          <p:cNvPr id="2" name="Title 1">
+            <a:extLst>
+              <a:ext uri="{FF2B5EF4-FFF2-40B4-BE49-F238E27FC236}">
+                <a16:creationId xmlns:a16="http://schemas.microsoft.com/office/drawing/2014/main" id="{66481D33-8891-C198-A758-5B7BF2F29436}"/>
+              </a:ext>
+            </a:extLst>
+          </p:cNvPr>
+          <p:cNvSpPr>
+            <a:spLocks noGrp="1"/>
+          </p:cNvSpPr>
+          <p:nvPr>
+            <p:ph type="ctrTitle"/>
+          </p:nvPr>
+        </p:nvSpPr>
+        <p:spPr>
+          <a:xfrm>
+            <a:off x="986118" y="551329"/>
+            <a:ext cx="7540322" cy="2196353"/>
+          </a:xfrm>
+        </p:spPr>
+        <p:txBody>
+          <a:bodyPr anchor="b">
+            <a:normAutofit/>
+          </a:bodyPr>
+          <a:lstStyle/>
+          <a:p>
+            <a:pPr algn="l"/>
+            <a:r>
+              <a:rPr lang="en-CH" sz="3600">
+                <a:solidFill>
+                  <a:srgbClr val="FFFFFF"/>
+                </a:solidFill>
+              </a:rPr>
+              <a:t>AWS Macie</a:t>
+            </a:r>
+          </a:p>
+        </p:txBody>
+      </p:sp>
+    </p:spTree>
+    <p:extLst>
+      <p:ext uri="{BB962C8B-B14F-4D97-AF65-F5344CB8AC3E}">
+        <p14:creationId xmlns:p14="http://schemas.microsoft.com/office/powerpoint/2010/main" val="1286848501"/>
+      </p:ext>
+    </p:extLst>
+  </p:cSld>
+  <p:clrMapOvr>
+    <a:masterClrMapping/>
+  </p:clrMapOvr>
+</p:sld>
+</file>
+
+<file path=ppt/slides/slide10.xml><?xml version="1.0" encoding="utf-8"?>
+<p:sld xmlns:a="http://schemas.openxmlformats.org/drawingml/2006/main" xmlns:r="http://schemas.openxmlformats.org/officeDocument/2006/relationships" xmlns:p="http://schemas.openxmlformats.org/presentationml/2006/main">
+  <p:cSld>
+    <p:bg>
+      <p:bgPr>
+        <a:solidFill>
+          <a:schemeClr val="bg1"/>
+        </a:solidFill>
+        <a:effectLst/>
+      </p:bgPr>
+    </p:bg>
+    <p:spTree>
+      <p:nvGrpSpPr>
+        <p:cNvPr id="1" name=""/>
+        <p:cNvGrpSpPr/>
+        <p:nvPr/>
+      </p:nvGrpSpPr>
+      <p:grpSpPr>
+        <a:xfrm>
+          <a:off x="0" y="0"/>
+          <a:ext cx="0" cy="0"/>
+          <a:chOff x="0" y="0"/>
+          <a:chExt cx="0" cy="0"/>
+        </a:xfrm>
+      </p:grpSpPr>
+      <p:sp>
+        <p:nvSpPr>
+          <p:cNvPr id="18" name="Rectangle 9">
+            <a:extLst>
+              <a:ext uri="{FF2B5EF4-FFF2-40B4-BE49-F238E27FC236}">
+                <a16:creationId xmlns:a16="http://schemas.microsoft.com/office/drawing/2014/main" id="{E35A04CF-97D4-4FF7-B359-C546B1F62E54}"/>
+              </a:ext>
+              <a:ext uri="{C183D7F6-B498-43B3-948B-1728B52AA6E4}">
+                <adec:decorative xmlns:adec="http://schemas.microsoft.com/office/drawing/2017/decorative" val="1"/>
+              </a:ext>
+            </a:extLst>
+          </p:cNvPr>
+          <p:cNvSpPr>
+            <a:spLocks noGrp="1" noRot="1" noChangeAspect="1" noMove="1" noResize="1" noEditPoints="1" noAdjustHandles="1" noChangeArrowheads="1" noChangeShapeType="1" noTextEdit="1"/>
+          </p:cNvSpPr>
+          <p:nvPr>
+            <p:extLst>
+              <p:ext uri="{386F3935-93C4-4BCD-93E2-E3B085C9AB24}">
+                <p16:designElem xmlns:p16="http://schemas.microsoft.com/office/powerpoint/2015/main" val="1"/>
+              </p:ext>
+            </p:extLst>
+          </p:nvPr>
+        </p:nvSpPr>
+        <p:spPr>
+          <a:xfrm>
+            <a:off x="0" y="0"/>
+            <a:ext cx="9143999" cy="5143500"/>
+          </a:xfrm>
+          <a:prstGeom prst="rect">
+            <a:avLst/>
+          </a:prstGeom>
+          <a:solidFill>
+            <a:schemeClr val="bg1">
+              <a:lumMod val="85000"/>
+            </a:schemeClr>
+          </a:solidFill>
+          <a:ln>
+            <a:noFill/>
+          </a:ln>
+        </p:spPr>
+        <p:style>
+          <a:lnRef idx="2">
+            <a:schemeClr val="accent1">
+              <a:shade val="50000"/>
+            </a:schemeClr>
+          </a:lnRef>
+          <a:fillRef idx="1">
+            <a:schemeClr val="accent1"/>
+          </a:fillRef>
+          <a:effectRef idx="0">
+            <a:schemeClr val="accent1"/>
+          </a:effectRef>
+          <a:fontRef idx="minor">
+            <a:schemeClr val="lt1"/>
+          </a:fontRef>
+        </p:style>
+        <p:txBody>
+          <a:bodyPr rtlCol="0" anchor="ctr"/>
+          <a:lstStyle/>
+          <a:p>
+            <a:pPr algn="ctr"/>
+            <a:endParaRPr lang="en-US"/>
+          </a:p>
+        </p:txBody>
+      </p:sp>
+      <p:sp>
+        <p:nvSpPr>
+          <p:cNvPr id="19" name="Freeform: Shape 11">
+            <a:extLst>
+              <a:ext uri="{FF2B5EF4-FFF2-40B4-BE49-F238E27FC236}">
+                <a16:creationId xmlns:a16="http://schemas.microsoft.com/office/drawing/2014/main" id="{1DE7243B-5109-444B-8FAF-7437C66BC0E9}"/>
+              </a:ext>
+              <a:ext uri="{C183D7F6-B498-43B3-948B-1728B52AA6E4}">
+                <adec:decorative xmlns:adec="http://schemas.microsoft.com/office/drawing/2017/decorative" val="1"/>
+              </a:ext>
+            </a:extLst>
+          </p:cNvPr>
+          <p:cNvSpPr>
+            <a:spLocks noGrp="1" noRot="1" noChangeAspect="1" noMove="1" noResize="1" noEditPoints="1" noAdjustHandles="1" noChangeArrowheads="1" noChangeShapeType="1" noTextEdit="1"/>
+          </p:cNvSpPr>
+          <p:nvPr>
+            <p:extLst>
+              <p:ext uri="{386F3935-93C4-4BCD-93E2-E3B085C9AB24}">
+                <p16:designElem xmlns:p16="http://schemas.microsoft.com/office/powerpoint/2015/main" val="1"/>
+              </p:ext>
+            </p:extLst>
+          </p:nvPr>
+        </p:nvSpPr>
+        <p:spPr>
+          <a:xfrm flipH="1">
+            <a:off x="0" y="0"/>
+            <a:ext cx="3315999" cy="5143500"/>
+          </a:xfrm>
+          <a:custGeom>
+            <a:avLst/>
+            <a:gdLst>
+              <a:gd name="connsiteX0" fmla="*/ 4421332 w 4421332"/>
+              <a:gd name="connsiteY0" fmla="*/ 0 h 6858000"/>
+              <a:gd name="connsiteX1" fmla="*/ 69075 w 4421332"/>
+              <a:gd name="connsiteY1" fmla="*/ 0 h 6858000"/>
+              <a:gd name="connsiteX2" fmla="*/ 35131 w 4421332"/>
+              <a:gd name="connsiteY2" fmla="*/ 267128 h 6858000"/>
+              <a:gd name="connsiteX3" fmla="*/ 0 w 4421332"/>
+              <a:gd name="connsiteY3" fmla="*/ 962845 h 6858000"/>
+              <a:gd name="connsiteX4" fmla="*/ 3276103 w 4421332"/>
+              <a:gd name="connsiteY4" fmla="*/ 6782205 h 6858000"/>
+              <a:gd name="connsiteX5" fmla="*/ 3407923 w 4421332"/>
+              <a:gd name="connsiteY5" fmla="*/ 6858000 h 6858000"/>
+              <a:gd name="connsiteX6" fmla="*/ 4421332 w 4421332"/>
+              <a:gd name="connsiteY6" fmla="*/ 6858000 h 6858000"/>
+            </a:gdLst>
+            <a:ahLst/>
+            <a:cxnLst>
+              <a:cxn ang="0">
+                <a:pos x="connsiteX0" y="connsiteY0"/>
+              </a:cxn>
+              <a:cxn ang="0">
+                <a:pos x="connsiteX1" y="connsiteY1"/>
+              </a:cxn>
+              <a:cxn ang="0">
+                <a:pos x="connsiteX2" y="connsiteY2"/>
+              </a:cxn>
+              <a:cxn ang="0">
+                <a:pos x="connsiteX3" y="connsiteY3"/>
+              </a:cxn>
+              <a:cxn ang="0">
+                <a:pos x="connsiteX4" y="connsiteY4"/>
+              </a:cxn>
+              <a:cxn ang="0">
+                <a:pos x="connsiteX5" y="connsiteY5"/>
+              </a:cxn>
+              <a:cxn ang="0">
+                <a:pos x="connsiteX6" y="connsiteY6"/>
+              </a:cxn>
+            </a:cxnLst>
+            <a:rect l="l" t="t" r="r" b="b"/>
+            <a:pathLst>
+              <a:path w="4421332" h="6858000">
+                <a:moveTo>
+                  <a:pt x="4421332" y="0"/>
+                </a:moveTo>
+                <a:lnTo>
+                  <a:pt x="69075" y="0"/>
+                </a:lnTo>
+                <a:lnTo>
+                  <a:pt x="35131" y="267128"/>
+                </a:lnTo>
+                <a:cubicBezTo>
+                  <a:pt x="11901" y="495874"/>
+                  <a:pt x="0" y="727970"/>
+                  <a:pt x="0" y="962845"/>
+                </a:cubicBezTo>
+                <a:cubicBezTo>
+                  <a:pt x="0" y="3429034"/>
+                  <a:pt x="1312002" y="5588789"/>
+                  <a:pt x="3276103" y="6782205"/>
+                </a:cubicBezTo>
+                <a:lnTo>
+                  <a:pt x="3407923" y="6858000"/>
+                </a:lnTo>
+                <a:lnTo>
+                  <a:pt x="4421332" y="6858000"/>
+                </a:lnTo>
+                <a:close/>
+              </a:path>
+            </a:pathLst>
+          </a:custGeom>
+          <a:solidFill>
+            <a:srgbClr val="FFFFFF">
+              <a:alpha val="80000"/>
+            </a:srgbClr>
+          </a:solidFill>
+          <a:ln>
+            <a:noFill/>
+          </a:ln>
+        </p:spPr>
+        <p:style>
+          <a:lnRef idx="2">
+            <a:schemeClr val="accent1">
+              <a:shade val="50000"/>
+            </a:schemeClr>
+          </a:lnRef>
+          <a:fillRef idx="1">
+            <a:schemeClr val="accent1"/>
+          </a:fillRef>
+          <a:effectRef idx="0">
+            <a:schemeClr val="accent1"/>
+          </a:effectRef>
+          <a:fontRef idx="minor">
+            <a:schemeClr val="lt1"/>
+          </a:fontRef>
+        </p:style>
+        <p:txBody>
+          <a:bodyPr wrap="square" rtlCol="0" anchor="ctr">
+            <a:noAutofit/>
+          </a:bodyPr>
+          <a:lstStyle/>
+          <a:p>
+            <a:pPr marL="0" marR="0" lvl="0" indent="0" algn="ctr" defTabSz="914400" rtl="0" eaLnBrk="1" fontAlgn="auto" latinLnBrk="0" hangingPunct="1">
+              <a:lnSpc>
+                <a:spcPct val="100000"/>
+              </a:lnSpc>
+              <a:spcBef>
+                <a:spcPts val="0"/>
+              </a:spcBef>
+              <a:spcAft>
+                <a:spcPts val="0"/>
+              </a:spcAft>
+              <a:buClrTx/>
+              <a:buSzTx/>
+              <a:buFontTx/>
+              <a:buNone/>
+              <a:tabLst/>
+              <a:defRPr/>
+            </a:pPr>
+            <a:endParaRPr kumimoji="0" lang="en-US" sz="1800" b="0" i="0" u="none" strike="noStrike" kern="1200" cap="none" spc="0" normalizeH="0" baseline="0" noProof="0">
+              <a:ln>
+                <a:noFill/>
+              </a:ln>
+              <a:solidFill>
+                <a:prstClr val="white"/>
+              </a:solidFill>
+              <a:effectLst/>
+              <a:uLnTx/>
+              <a:uFillTx/>
+              <a:latin typeface="Calibri" panose="020F0502020204030204"/>
+              <a:ea typeface="+mn-ea"/>
+              <a:cs typeface="+mn-cs"/>
+            </a:endParaRPr>
+          </a:p>
+        </p:txBody>
+      </p:sp>
+      <p:sp>
+        <p:nvSpPr>
+          <p:cNvPr id="14" name="Freeform: Shape 13">
+            <a:extLst>
+              <a:ext uri="{FF2B5EF4-FFF2-40B4-BE49-F238E27FC236}">
+                <a16:creationId xmlns:a16="http://schemas.microsoft.com/office/drawing/2014/main" id="{4C5D6221-DA7B-4611-AA26-7D8E349FDE96}"/>
+              </a:ext>
+              <a:ext uri="{C183D7F6-B498-43B3-948B-1728B52AA6E4}">
+                <adec:decorative xmlns:adec="http://schemas.microsoft.com/office/drawing/2017/decorative" val="1"/>
+              </a:ext>
+            </a:extLst>
+          </p:cNvPr>
+          <p:cNvSpPr>
+            <a:spLocks noGrp="1" noRot="1" noChangeAspect="1" noMove="1" noResize="1" noEditPoints="1" noAdjustHandles="1" noChangeArrowheads="1" noChangeShapeType="1" noTextEdit="1"/>
+          </p:cNvSpPr>
+          <p:nvPr>
+            <p:extLst>
+              <p:ext uri="{386F3935-93C4-4BCD-93E2-E3B085C9AB24}">
+                <p16:designElem xmlns:p16="http://schemas.microsoft.com/office/powerpoint/2015/main" val="1"/>
+              </p:ext>
+            </p:extLst>
+          </p:nvPr>
+        </p:nvSpPr>
+        <p:spPr>
+          <a:xfrm>
+            <a:off x="0" y="0"/>
+            <a:ext cx="3174171" cy="5143500"/>
+          </a:xfrm>
+          <a:custGeom>
+            <a:avLst/>
+            <a:gdLst>
+              <a:gd name="connsiteX0" fmla="*/ 0 w 4232227"/>
+              <a:gd name="connsiteY0" fmla="*/ 0 h 6858000"/>
+              <a:gd name="connsiteX1" fmla="*/ 4161853 w 4232227"/>
+              <a:gd name="connsiteY1" fmla="*/ 0 h 6858000"/>
+              <a:gd name="connsiteX2" fmla="*/ 4197953 w 4232227"/>
+              <a:gd name="connsiteY2" fmla="*/ 284091 h 6858000"/>
+              <a:gd name="connsiteX3" fmla="*/ 4232227 w 4232227"/>
+              <a:gd name="connsiteY3" fmla="*/ 962844 h 6858000"/>
+              <a:gd name="connsiteX4" fmla="*/ 758007 w 4232227"/>
+              <a:gd name="connsiteY4" fmla="*/ 6800152 h 6858000"/>
+              <a:gd name="connsiteX5" fmla="*/ 645060 w 4232227"/>
+              <a:gd name="connsiteY5" fmla="*/ 6858000 h 6858000"/>
+              <a:gd name="connsiteX6" fmla="*/ 0 w 4232227"/>
+              <a:gd name="connsiteY6" fmla="*/ 6858000 h 6858000"/>
+            </a:gdLst>
+            <a:ahLst/>
+            <a:cxnLst>
+              <a:cxn ang="0">
+                <a:pos x="connsiteX0" y="connsiteY0"/>
+              </a:cxn>
+              <a:cxn ang="0">
+                <a:pos x="connsiteX1" y="connsiteY1"/>
+              </a:cxn>
+              <a:cxn ang="0">
+                <a:pos x="connsiteX2" y="connsiteY2"/>
+              </a:cxn>
+              <a:cxn ang="0">
+                <a:pos x="connsiteX3" y="connsiteY3"/>
+              </a:cxn>
+              <a:cxn ang="0">
+                <a:pos x="connsiteX4" y="connsiteY4"/>
+              </a:cxn>
+              <a:cxn ang="0">
+                <a:pos x="connsiteX5" y="connsiteY5"/>
+              </a:cxn>
+              <a:cxn ang="0">
+                <a:pos x="connsiteX6" y="connsiteY6"/>
+              </a:cxn>
+            </a:cxnLst>
+            <a:rect l="l" t="t" r="r" b="b"/>
+            <a:pathLst>
+              <a:path w="4232227" h="6858000">
+                <a:moveTo>
+                  <a:pt x="0" y="0"/>
+                </a:moveTo>
+                <a:lnTo>
+                  <a:pt x="4161853" y="0"/>
+                </a:lnTo>
+                <a:lnTo>
+                  <a:pt x="4197953" y="284091"/>
+                </a:lnTo>
+                <a:cubicBezTo>
+                  <a:pt x="4220617" y="507260"/>
+                  <a:pt x="4232227" y="733696"/>
+                  <a:pt x="4232227" y="962844"/>
+                </a:cubicBezTo>
+                <a:cubicBezTo>
+                  <a:pt x="4232227" y="3483472"/>
+                  <a:pt x="2827409" y="5675986"/>
+                  <a:pt x="758007" y="6800152"/>
+                </a:cubicBezTo>
+                <a:lnTo>
+                  <a:pt x="645060" y="6858000"/>
+                </a:lnTo>
+                <a:lnTo>
+                  <a:pt x="0" y="6858000"/>
+                </a:lnTo>
+                <a:close/>
+              </a:path>
+            </a:pathLst>
+          </a:custGeom>
+          <a:solidFill>
+            <a:srgbClr val="404040"/>
+          </a:solidFill>
+          <a:ln>
+            <a:noFill/>
+          </a:ln>
+        </p:spPr>
+        <p:style>
+          <a:lnRef idx="2">
+            <a:schemeClr val="accent1">
+              <a:shade val="50000"/>
+            </a:schemeClr>
+          </a:lnRef>
+          <a:fillRef idx="1">
+            <a:schemeClr val="accent1"/>
+          </a:fillRef>
+          <a:effectRef idx="0">
+            <a:schemeClr val="accent1"/>
+          </a:effectRef>
+          <a:fontRef idx="minor">
+            <a:schemeClr val="lt1"/>
+          </a:fontRef>
+        </p:style>
+        <p:txBody>
+          <a:bodyPr wrap="square" rtlCol="0" anchor="ctr">
+            <a:noAutofit/>
+          </a:bodyPr>
+          <a:lstStyle/>
+          <a:p>
+            <a:pPr marL="0" marR="0" lvl="0" indent="0" algn="ctr" defTabSz="914400" rtl="0" eaLnBrk="1" fontAlgn="auto" latinLnBrk="0" hangingPunct="1">
+              <a:lnSpc>
+                <a:spcPct val="100000"/>
+              </a:lnSpc>
+              <a:spcBef>
+                <a:spcPts val="0"/>
+              </a:spcBef>
+              <a:spcAft>
+                <a:spcPts val="0"/>
+              </a:spcAft>
+              <a:buClrTx/>
+              <a:buSzTx/>
+              <a:buFontTx/>
+              <a:buNone/>
+              <a:tabLst/>
+              <a:defRPr/>
+            </a:pPr>
+            <a:endParaRPr kumimoji="0" lang="en-US" sz="1800" b="0" i="0" u="none" strike="noStrike" kern="1200" cap="none" spc="0" normalizeH="0" baseline="0" noProof="0">
+              <a:ln>
+                <a:noFill/>
+              </a:ln>
+              <a:solidFill>
+                <a:prstClr val="white"/>
+              </a:solidFill>
+              <a:effectLst/>
+              <a:uLnTx/>
+              <a:uFillTx/>
+              <a:latin typeface="Calibri" panose="020F0502020204030204"/>
+              <a:ea typeface="+mn-ea"/>
+              <a:cs typeface="+mn-cs"/>
+            </a:endParaRPr>
+          </a:p>
+        </p:txBody>
+      </p:sp>
+      <p:sp>
+        <p:nvSpPr>
+          <p:cNvPr id="2" name="Title 1">
+            <a:extLst>
+              <a:ext uri="{FF2B5EF4-FFF2-40B4-BE49-F238E27FC236}">
+                <a16:creationId xmlns:a16="http://schemas.microsoft.com/office/drawing/2014/main" id="{32E4A77A-D71E-E76E-051D-0E3D7174E5B3}"/>
+              </a:ext>
+            </a:extLst>
+          </p:cNvPr>
+          <p:cNvSpPr>
+            <a:spLocks noGrp="1"/>
+          </p:cNvSpPr>
+          <p:nvPr>
+            <p:ph type="title"/>
+          </p:nvPr>
+        </p:nvSpPr>
+        <p:spPr>
+          <a:xfrm>
+            <a:off x="603504" y="1059366"/>
+            <a:ext cx="2153321" cy="1617466"/>
+          </a:xfrm>
+        </p:spPr>
+        <p:txBody>
+          <a:bodyPr vert="horz" lIns="91440" tIns="45720" rIns="91440" bIns="45720" rtlCol="0" anchor="t">
+            <a:normAutofit/>
+          </a:bodyPr>
+          <a:lstStyle/>
+          <a:p>
+            <a:pPr defTabSz="914400"/>
+            <a:r>
+              <a:rPr lang="en-US" sz="2700" b="0" i="0" kern="1200">
+                <a:solidFill>
+                  <a:srgbClr val="FFFFFF"/>
+                </a:solidFill>
+                <a:effectLst/>
+                <a:latin typeface="+mj-lt"/>
+                <a:ea typeface="+mj-ea"/>
+                <a:cs typeface="+mj-cs"/>
+              </a:rPr>
+              <a:t>Amazon Macie vs. Amazon GuardDuty</a:t>
+            </a:r>
+            <a:endParaRPr lang="en-US" sz="2700" kern="1200">
+              <a:solidFill>
+                <a:srgbClr val="FFFFFF"/>
+              </a:solidFill>
+              <a:latin typeface="+mj-lt"/>
+              <a:ea typeface="+mj-ea"/>
+              <a:cs typeface="+mj-cs"/>
+            </a:endParaRPr>
+          </a:p>
+        </p:txBody>
+      </p:sp>
+      <p:sp>
+        <p:nvSpPr>
+          <p:cNvPr id="3" name="Content Placeholder 2">
+            <a:extLst>
+              <a:ext uri="{FF2B5EF4-FFF2-40B4-BE49-F238E27FC236}">
+                <a16:creationId xmlns:a16="http://schemas.microsoft.com/office/drawing/2014/main" id="{F9D6F4CA-828E-6ABE-81B8-6A9DF9B51F4D}"/>
+              </a:ext>
+            </a:extLst>
+          </p:cNvPr>
+          <p:cNvSpPr>
+            <a:spLocks noGrp="1"/>
+          </p:cNvSpPr>
+          <p:nvPr>
+            <p:ph idx="1"/>
+          </p:nvPr>
+        </p:nvSpPr>
+        <p:spPr>
+          <a:xfrm>
+            <a:off x="4977476" y="466497"/>
+            <a:ext cx="2420301" cy="1310123"/>
+          </a:xfrm>
+        </p:spPr>
+        <p:txBody>
+          <a:bodyPr vert="horz" lIns="91440" tIns="45720" rIns="91440" bIns="45720" rtlCol="0">
+            <a:normAutofit/>
+          </a:bodyPr>
+          <a:lstStyle/>
+          <a:p>
+            <a:pPr marL="0" indent="0" defTabSz="914400">
+              <a:buNone/>
+            </a:pPr>
+            <a:r>
+              <a:rPr lang="en-US" sz="1400" b="1" i="0" dirty="0">
+                <a:effectLst/>
+              </a:rPr>
+              <a:t>Macie</a:t>
+            </a:r>
+            <a:r>
+              <a:rPr lang="en-US" sz="1400" b="0" i="0" dirty="0">
+                <a:effectLst/>
+              </a:rPr>
+              <a:t> only looks into S3 buckets and intelligently classifies data to help you ensure the proper access controls are applied to those data.</a:t>
+            </a:r>
+          </a:p>
+          <a:p>
+            <a:pPr marL="0" indent="0" defTabSz="914400">
+              <a:buNone/>
+            </a:pPr>
+            <a:endParaRPr lang="en-US" sz="1400" dirty="0"/>
+          </a:p>
+        </p:txBody>
+      </p:sp>
+      <p:sp>
+        <p:nvSpPr>
+          <p:cNvPr id="5" name="TextBox 4">
+            <a:extLst>
+              <a:ext uri="{FF2B5EF4-FFF2-40B4-BE49-F238E27FC236}">
+                <a16:creationId xmlns:a16="http://schemas.microsoft.com/office/drawing/2014/main" id="{ACDA8E6D-7F10-07D9-189D-E07C43898E80}"/>
+              </a:ext>
+            </a:extLst>
+          </p:cNvPr>
+          <p:cNvSpPr txBox="1"/>
+          <p:nvPr/>
+        </p:nvSpPr>
+        <p:spPr>
+          <a:xfrm>
+            <a:off x="6187627" y="2571750"/>
+            <a:ext cx="2713858" cy="2105253"/>
+          </a:xfrm>
+          <a:prstGeom prst="rect">
+            <a:avLst/>
+          </a:prstGeom>
+        </p:spPr>
+        <p:txBody>
+          <a:bodyPr vert="horz" lIns="91440" tIns="45720" rIns="91440" bIns="45720" rtlCol="0">
+            <a:normAutofit/>
+          </a:bodyPr>
+          <a:lstStyle/>
+          <a:p>
+            <a:pPr>
+              <a:lnSpc>
+                <a:spcPct val="90000"/>
+              </a:lnSpc>
+              <a:spcAft>
+                <a:spcPts val="600"/>
+              </a:spcAft>
+            </a:pPr>
+            <a:r>
+              <a:rPr lang="en-US" sz="1500" b="1" i="0" dirty="0" err="1">
+                <a:effectLst/>
+              </a:rPr>
+              <a:t>GuardDuty</a:t>
+            </a:r>
+            <a:r>
+              <a:rPr lang="en-US" sz="1500" b="1" i="0" dirty="0">
+                <a:effectLst/>
+              </a:rPr>
+              <a:t> monitors:</a:t>
+            </a:r>
+            <a:endParaRPr lang="en-US" sz="1500" b="0" i="0" dirty="0">
+              <a:effectLst/>
+            </a:endParaRPr>
+          </a:p>
+          <a:p>
+            <a:pPr indent="-228600">
+              <a:lnSpc>
+                <a:spcPct val="90000"/>
+              </a:lnSpc>
+              <a:spcAft>
+                <a:spcPts val="600"/>
+              </a:spcAft>
+              <a:buFont typeface="Arial" panose="020B0604020202020204" pitchFamily="34" charset="0"/>
+              <a:buChar char="•"/>
+            </a:pPr>
+            <a:r>
+              <a:rPr lang="en-US" sz="1500" b="0" dirty="0">
+                <a:effectLst/>
+              </a:rPr>
+              <a:t>Abnormal API activity</a:t>
+            </a:r>
+          </a:p>
+          <a:p>
+            <a:pPr indent="-228600">
+              <a:lnSpc>
+                <a:spcPct val="90000"/>
+              </a:lnSpc>
+              <a:spcAft>
+                <a:spcPts val="600"/>
+              </a:spcAft>
+              <a:buFont typeface="Arial" panose="020B0604020202020204" pitchFamily="34" charset="0"/>
+              <a:buChar char="•"/>
+            </a:pPr>
+            <a:r>
+              <a:rPr lang="en-US" sz="1500" b="0" dirty="0">
+                <a:effectLst/>
+              </a:rPr>
+              <a:t>Attempts to disable AWS CloudTrail logging</a:t>
+            </a:r>
+          </a:p>
+          <a:p>
+            <a:pPr indent="-228600">
+              <a:lnSpc>
+                <a:spcPct val="90000"/>
+              </a:lnSpc>
+              <a:spcAft>
+                <a:spcPts val="600"/>
+              </a:spcAft>
+              <a:buFont typeface="Arial" panose="020B0604020202020204" pitchFamily="34" charset="0"/>
+              <a:buChar char="•"/>
+            </a:pPr>
+            <a:r>
+              <a:rPr lang="en-US" sz="1500" b="0" dirty="0">
+                <a:effectLst/>
+              </a:rPr>
+              <a:t>Potential unauthorized deployment and compromised instances</a:t>
+            </a:r>
+          </a:p>
+          <a:p>
+            <a:pPr indent="-228600">
+              <a:lnSpc>
+                <a:spcPct val="90000"/>
+              </a:lnSpc>
+              <a:spcAft>
+                <a:spcPts val="600"/>
+              </a:spcAft>
+              <a:buFont typeface="Arial" panose="020B0604020202020204" pitchFamily="34" charset="0"/>
+              <a:buChar char="•"/>
+            </a:pPr>
+            <a:r>
+              <a:rPr lang="en-US" sz="1500" b="0" dirty="0">
+                <a:effectLst/>
+              </a:rPr>
+              <a:t>S3 bucket compromise</a:t>
+            </a:r>
+          </a:p>
+        </p:txBody>
+      </p:sp>
+      <p:sp>
+        <p:nvSpPr>
+          <p:cNvPr id="7" name="TextBox 6">
+            <a:extLst>
+              <a:ext uri="{FF2B5EF4-FFF2-40B4-BE49-F238E27FC236}">
+                <a16:creationId xmlns:a16="http://schemas.microsoft.com/office/drawing/2014/main" id="{432D6812-C865-333D-D28C-6951869ADA88}"/>
+              </a:ext>
+            </a:extLst>
+          </p:cNvPr>
+          <p:cNvSpPr txBox="1"/>
+          <p:nvPr/>
+        </p:nvSpPr>
+        <p:spPr>
+          <a:xfrm>
+            <a:off x="3777675" y="2571750"/>
+            <a:ext cx="2420301" cy="1384995"/>
+          </a:xfrm>
+          <a:prstGeom prst="rect">
+            <a:avLst/>
+          </a:prstGeom>
+          <a:noFill/>
+        </p:spPr>
+        <p:txBody>
+          <a:bodyPr wrap="square">
+            <a:spAutoFit/>
+          </a:bodyPr>
+          <a:lstStyle/>
+          <a:p>
+            <a:pPr indent="-228600" defTabSz="914400"/>
+            <a:r>
+              <a:rPr lang="en-US" sz="1400" b="1" i="0" dirty="0">
+                <a:effectLst/>
+              </a:rPr>
+              <a:t>Amazon </a:t>
+            </a:r>
+            <a:r>
+              <a:rPr lang="en-US" sz="1400" b="1" i="0" dirty="0" err="1">
+                <a:effectLst/>
+              </a:rPr>
+              <a:t>GuardDuty</a:t>
+            </a:r>
+            <a:r>
+              <a:rPr lang="en-US" sz="1400" b="0" i="0" dirty="0">
+                <a:effectLst/>
+              </a:rPr>
+              <a:t> uses intelligent and continuous threat detection of your AWS accounts, data stored in Amazon S3, and workloads to reduce risk.</a:t>
+            </a:r>
+          </a:p>
+        </p:txBody>
+      </p:sp>
+    </p:spTree>
+    <p:extLst>
+      <p:ext uri="{BB962C8B-B14F-4D97-AF65-F5344CB8AC3E}">
+        <p14:creationId xmlns:p14="http://schemas.microsoft.com/office/powerpoint/2010/main" val="3149152198"/>
+      </p:ext>
+    </p:extLst>
+  </p:cSld>
+  <p:clrMapOvr>
+    <a:masterClrMapping/>
+  </p:clrMapOvr>
+</p:sld>
+</file>
+
+<file path=ppt/slides/slide2.xml><?xml version="1.0" encoding="utf-8"?>
+<p:sld xmlns:a="http://schemas.openxmlformats.org/drawingml/2006/main" xmlns:r="http://schemas.openxmlformats.org/officeDocument/2006/relationships" xmlns:p="http://schemas.openxmlformats.org/presentationml/2006/main">
+  <p:cSld>
+    <p:bg>
+      <p:bgPr>
+        <a:solidFill>
+          <a:schemeClr val="bg1"/>
+        </a:solidFill>
+        <a:effectLst/>
+      </p:bgPr>
+    </p:bg>
+    <p:spTree>
+      <p:nvGrpSpPr>
+        <p:cNvPr id="1" name=""/>
+        <p:cNvGrpSpPr/>
+        <p:nvPr/>
+      </p:nvGrpSpPr>
+      <p:grpSpPr>
+        <a:xfrm>
+          <a:off x="0" y="0"/>
+          <a:ext cx="0" cy="0"/>
+          <a:chOff x="0" y="0"/>
+          <a:chExt cx="0" cy="0"/>
+        </a:xfrm>
+      </p:grpSpPr>
+      <p:sp useBgFill="1">
+        <p:nvSpPr>
+          <p:cNvPr id="20" name="Rectangle 9">
+            <a:extLst>
+              <a:ext uri="{FF2B5EF4-FFF2-40B4-BE49-F238E27FC236}">
+                <a16:creationId xmlns:a16="http://schemas.microsoft.com/office/drawing/2014/main" id="{3346177D-ADC4-4968-B747-5CFCD390B5B9}"/>
+              </a:ext>
+              <a:ext uri="{C183D7F6-B498-43B3-948B-1728B52AA6E4}">
+                <adec:decorative xmlns:adec="http://schemas.microsoft.com/office/drawing/2017/decorative" val="1"/>
+              </a:ext>
+            </a:extLst>
+          </p:cNvPr>
+          <p:cNvSpPr>
+            <a:spLocks noGrp="1" noRot="1" noChangeAspect="1" noMove="1" noResize="1" noEditPoints="1" noAdjustHandles="1" noChangeArrowheads="1" noChangeShapeType="1" noTextEdit="1"/>
+          </p:cNvSpPr>
+          <p:nvPr>
+            <p:extLst>
+              <p:ext uri="{386F3935-93C4-4BCD-93E2-E3B085C9AB24}">
+                <p16:designElem xmlns:p16="http://schemas.microsoft.com/office/powerpoint/2015/main" val="1"/>
+              </p:ext>
+            </p:extLst>
+          </p:nvPr>
+        </p:nvSpPr>
+        <p:spPr>
+          <a:xfrm>
+            <a:off x="0" y="0"/>
+            <a:ext cx="9144000" cy="5143500"/>
+          </a:xfrm>
+          <a:prstGeom prst="rect">
+            <a:avLst/>
+          </a:prstGeom>
+          <a:ln w="12700" cap="flat" cmpd="sng" algn="ctr">
+            <a:noFill/>
+            <a:prstDash val="solid"/>
+            <a:miter lim="800000"/>
+          </a:ln>
+          <a:effectLst/>
+          <a:extLst>
+            <a:ext uri="{91240B29-F687-4F45-9708-019B960494DF}">
+              <a14:hiddenLine xmlns:a14="http://schemas.microsoft.com/office/drawing/2010/main" w="12700" cap="flat" cmpd="sng" algn="ctr">
+                <a:solidFill>
+                  <a:schemeClr val="accent1">
+                    <a:shade val="50000"/>
+                  </a:schemeClr>
+                </a:solidFill>
+                <a:prstDash val="solid"/>
+                <a:miter lim="800000"/>
+              </a14:hiddenLine>
+            </a:ext>
+          </a:extLst>
+        </p:spPr>
+        <p:style>
+          <a:lnRef idx="2">
+            <a:schemeClr val="accent1">
+              <a:shade val="50000"/>
+            </a:schemeClr>
+          </a:lnRef>
+          <a:fillRef idx="1">
+            <a:schemeClr val="accent1"/>
+          </a:fillRef>
+          <a:effectRef idx="0">
+            <a:schemeClr val="accent1"/>
+          </a:effectRef>
+          <a:fontRef idx="minor">
+            <a:schemeClr val="lt1"/>
+          </a:fontRef>
+        </p:style>
+        <p:txBody>
+          <a:bodyPr rtlCol="0" anchor="ctr"/>
+          <a:lstStyle/>
+          <a:p>
+            <a:pPr algn="ctr"/>
+            <a:endParaRPr lang="en-US"/>
+          </a:p>
+        </p:txBody>
+      </p:sp>
+      <p:sp>
+        <p:nvSpPr>
+          <p:cNvPr id="2" name="Title 1">
+            <a:extLst>
+              <a:ext uri="{FF2B5EF4-FFF2-40B4-BE49-F238E27FC236}">
+                <a16:creationId xmlns:a16="http://schemas.microsoft.com/office/drawing/2014/main" id="{932FC1E5-67B1-B64F-B65A-C13071FA97DE}"/>
+              </a:ext>
+            </a:extLst>
+          </p:cNvPr>
+          <p:cNvSpPr>
+            <a:spLocks noGrp="1"/>
+          </p:cNvSpPr>
+          <p:nvPr>
+            <p:ph type="title"/>
+          </p:nvPr>
+        </p:nvSpPr>
+        <p:spPr>
+          <a:xfrm>
+            <a:off x="4197375" y="367131"/>
+            <a:ext cx="4316172" cy="573851"/>
+          </a:xfrm>
+        </p:spPr>
+        <p:txBody>
+          <a:bodyPr anchor="b">
+            <a:normAutofit/>
+          </a:bodyPr>
+          <a:lstStyle/>
+          <a:p>
+            <a:r>
+              <a:rPr lang="en-CH" sz="3000" dirty="0"/>
+              <a:t>What is Amazon Macie?</a:t>
+            </a:r>
+          </a:p>
+        </p:txBody>
+      </p:sp>
+      <p:pic>
+        <p:nvPicPr>
+          <p:cNvPr id="7" name="Graphic 6" descr="Laptop Secure">
+            <a:extLst>
+              <a:ext uri="{FF2B5EF4-FFF2-40B4-BE49-F238E27FC236}">
+                <a16:creationId xmlns:a16="http://schemas.microsoft.com/office/drawing/2014/main" id="{A3C623E6-61F8-6E8D-F2EB-79F094EC87CB}"/>
+              </a:ext>
+            </a:extLst>
+          </p:cNvPr>
+          <p:cNvPicPr>
+            <a:picLocks noChangeAspect="1"/>
+          </p:cNvPicPr>
+          <p:nvPr/>
+        </p:nvPicPr>
+        <p:blipFill>
+          <a:blip r:embed="rId2">
+            <a:extLst>
+              <a:ext uri="{28A0092B-C50C-407E-A947-70E740481C1C}">
+                <a14:useLocalDpi xmlns:a14="http://schemas.microsoft.com/office/drawing/2010/main" val="0"/>
+              </a:ext>
+              <a:ext uri="{96DAC541-7B7A-43D3-8B79-37D633B846F1}">
+                <asvg:svgBlip xmlns:asvg="http://schemas.microsoft.com/office/drawing/2016/SVG/main" r:embed="rId3"/>
+              </a:ext>
+            </a:extLst>
+          </a:blip>
+          <a:stretch>
+            <a:fillRect/>
+          </a:stretch>
+        </p:blipFill>
+        <p:spPr>
+          <a:xfrm>
+            <a:off x="801097" y="956302"/>
+            <a:ext cx="2907124" cy="2907124"/>
+          </a:xfrm>
+          <a:prstGeom prst="rect">
+            <a:avLst/>
+          </a:prstGeom>
+        </p:spPr>
+      </p:pic>
+      <p:sp>
+        <p:nvSpPr>
+          <p:cNvPr id="3" name="Content Placeholder 2">
+            <a:extLst>
+              <a:ext uri="{FF2B5EF4-FFF2-40B4-BE49-F238E27FC236}">
+                <a16:creationId xmlns:a16="http://schemas.microsoft.com/office/drawing/2014/main" id="{34F69F76-8FFC-5318-B8D2-6038D66B5605}"/>
+              </a:ext>
+            </a:extLst>
+          </p:cNvPr>
+          <p:cNvSpPr>
+            <a:spLocks noGrp="1"/>
+          </p:cNvSpPr>
+          <p:nvPr>
+            <p:ph idx="1"/>
+          </p:nvPr>
+        </p:nvSpPr>
+        <p:spPr>
+          <a:xfrm>
+            <a:off x="4197375" y="1288386"/>
+            <a:ext cx="4635729" cy="2569862"/>
+          </a:xfrm>
+        </p:spPr>
+        <p:txBody>
+          <a:bodyPr anchor="t">
+            <a:normAutofit/>
+          </a:bodyPr>
+          <a:lstStyle/>
+          <a:p>
+            <a:r>
+              <a:rPr lang="en-GB" sz="1200" b="0" i="0" dirty="0">
+                <a:effectLst/>
+                <a:latin typeface="Readex Pro"/>
+              </a:rPr>
+              <a:t>Amazon Macie is a security service that uses machine learning to automatically discover, classify and protect sensitive data in the AWS.</a:t>
+            </a:r>
+            <a:r>
+              <a:rPr lang="en-GB" sz="1200" b="1" i="0" dirty="0">
+                <a:effectLst/>
+                <a:latin typeface="Readex Pro"/>
+              </a:rPr>
+              <a:t> </a:t>
+            </a:r>
+          </a:p>
+          <a:p>
+            <a:r>
+              <a:rPr lang="en-GB" sz="1200" b="1" i="0" dirty="0">
+                <a:effectLst/>
+                <a:highlight>
+                  <a:srgbClr val="FFFF00"/>
+                </a:highlight>
+                <a:latin typeface="Readex Pro"/>
+              </a:rPr>
+              <a:t>It currently only supports S3</a:t>
+            </a:r>
+            <a:r>
+              <a:rPr lang="en-GB" sz="1200" b="1" i="0" dirty="0">
+                <a:effectLst/>
+                <a:latin typeface="Readex Pro"/>
+              </a:rPr>
+              <a:t>, </a:t>
+            </a:r>
+            <a:r>
+              <a:rPr lang="en-GB" sz="1200" b="0" i="0" dirty="0">
+                <a:effectLst/>
+                <a:latin typeface="Readex Pro"/>
+              </a:rPr>
+              <a:t>but more AWS data stores are planned.</a:t>
+            </a:r>
+          </a:p>
+          <a:p>
+            <a:r>
+              <a:rPr lang="en-GB" sz="1200" b="0" i="0" dirty="0">
+                <a:effectLst/>
+                <a:latin typeface="Readex Pro"/>
+              </a:rPr>
+              <a:t>Macie can </a:t>
+            </a:r>
+            <a:r>
+              <a:rPr lang="en-GB" sz="1200" b="1" i="0" dirty="0">
+                <a:effectLst/>
+                <a:latin typeface="Readex Pro"/>
+              </a:rPr>
+              <a:t>recognize any PII or Protected Health Information (PHI)</a:t>
+            </a:r>
+            <a:r>
+              <a:rPr lang="en-GB" sz="1200" b="0" i="0" dirty="0">
+                <a:effectLst/>
+                <a:latin typeface="Readex Pro"/>
+              </a:rPr>
+              <a:t> that exists in your S3 buckets. </a:t>
+            </a:r>
+          </a:p>
+          <a:p>
+            <a:r>
+              <a:rPr lang="en-GB" sz="1200" b="0" i="0" dirty="0">
+                <a:effectLst/>
+                <a:latin typeface="Readex Pro"/>
+              </a:rPr>
+              <a:t>Macie also monitors the S3 buckets themselves for security and access control. </a:t>
+            </a:r>
+          </a:p>
+          <a:p>
+            <a:r>
+              <a:rPr lang="en-GB" sz="1200" b="0" i="0" dirty="0">
+                <a:effectLst/>
+                <a:latin typeface="Readex Pro"/>
+              </a:rPr>
+              <a:t>This all can help you meet regulations, such as the Health Insurance Portability and Accountability Act (HIPAA) and General Data Privacy Regulation (GDPR) or just continually achieve the security you require in the AWS Cloud environment.</a:t>
+            </a:r>
+          </a:p>
+        </p:txBody>
+      </p:sp>
+      <p:sp>
+        <p:nvSpPr>
+          <p:cNvPr id="21" name="Rectangle 11">
+            <a:extLst>
+              <a:ext uri="{FF2B5EF4-FFF2-40B4-BE49-F238E27FC236}">
+                <a16:creationId xmlns:a16="http://schemas.microsoft.com/office/drawing/2014/main" id="{0844A943-BF79-4FEA-ABB1-3BD54D236606}"/>
+              </a:ext>
+              <a:ext uri="{C183D7F6-B498-43B3-948B-1728B52AA6E4}">
+                <adec:decorative xmlns:adec="http://schemas.microsoft.com/office/drawing/2017/decorative" val="1"/>
+              </a:ext>
+            </a:extLst>
+          </p:cNvPr>
+          <p:cNvSpPr>
+            <a:spLocks noGrp="1" noRot="1" noChangeAspect="1" noMove="1" noResize="1" noEditPoints="1" noAdjustHandles="1" noChangeArrowheads="1" noChangeShapeType="1" noTextEdit="1"/>
+          </p:cNvSpPr>
+          <p:nvPr>
+            <p:extLst>
+              <p:ext uri="{386F3935-93C4-4BCD-93E2-E3B085C9AB24}">
+                <p16:designElem xmlns:p16="http://schemas.microsoft.com/office/powerpoint/2015/main" val="1"/>
+              </p:ext>
+            </p:extLst>
+          </p:nvPr>
+        </p:nvSpPr>
+        <p:spPr>
+          <a:xfrm rot="10800000" flipH="1">
+            <a:off x="0" y="4800599"/>
+            <a:ext cx="9144000" cy="342580"/>
+          </a:xfrm>
+          <a:prstGeom prst="rect">
+            <a:avLst/>
+          </a:prstGeom>
+          <a:gradFill>
+            <a:gsLst>
+              <a:gs pos="0">
+                <a:schemeClr val="accent1"/>
+              </a:gs>
+              <a:gs pos="90000">
+                <a:srgbClr val="000000"/>
+              </a:gs>
+            </a:gsLst>
+            <a:lin ang="2400000" scaled="0"/>
+          </a:gradFill>
+          <a:ln>
+            <a:noFill/>
+          </a:ln>
+        </p:spPr>
+        <p:style>
+          <a:lnRef idx="2">
+            <a:schemeClr val="accent1">
+              <a:shade val="50000"/>
+            </a:schemeClr>
+          </a:lnRef>
+          <a:fillRef idx="1">
+            <a:schemeClr val="accent1"/>
+          </a:fillRef>
+          <a:effectRef idx="0">
+            <a:schemeClr val="accent1"/>
+          </a:effectRef>
+          <a:fontRef idx="minor">
+            <a:schemeClr val="lt1"/>
+          </a:fontRef>
+        </p:style>
+        <p:txBody>
+          <a:bodyPr rtlCol="0" anchor="ctr"/>
+          <a:lstStyle/>
+          <a:p>
+            <a:pPr algn="ctr"/>
+            <a:endParaRPr lang="en-US"/>
+          </a:p>
+        </p:txBody>
+      </p:sp>
+      <p:sp>
+        <p:nvSpPr>
+          <p:cNvPr id="22" name="Rectangle 13">
+            <a:extLst>
+              <a:ext uri="{FF2B5EF4-FFF2-40B4-BE49-F238E27FC236}">
+                <a16:creationId xmlns:a16="http://schemas.microsoft.com/office/drawing/2014/main" id="{6437CC72-F4A8-4DC3-AFAB-D22C482C8100}"/>
+              </a:ext>
+              <a:ext uri="{C183D7F6-B498-43B3-948B-1728B52AA6E4}">
+                <adec:decorative xmlns:adec="http://schemas.microsoft.com/office/drawing/2017/decorative" val="1"/>
+              </a:ext>
+            </a:extLst>
+          </p:cNvPr>
+          <p:cNvSpPr>
+            <a:spLocks noGrp="1" noRot="1" noChangeAspect="1" noMove="1" noResize="1" noEditPoints="1" noAdjustHandles="1" noChangeArrowheads="1" noChangeShapeType="1" noTextEdit="1"/>
+          </p:cNvSpPr>
+          <p:nvPr>
+            <p:extLst>
+              <p:ext uri="{386F3935-93C4-4BCD-93E2-E3B085C9AB24}">
+                <p16:designElem xmlns:p16="http://schemas.microsoft.com/office/powerpoint/2015/main" val="1"/>
+              </p:ext>
+            </p:extLst>
+          </p:nvPr>
+        </p:nvSpPr>
+        <p:spPr>
+          <a:xfrm flipH="1">
+            <a:off x="3028950" y="4800599"/>
+            <a:ext cx="6115048" cy="342579"/>
+          </a:xfrm>
+          <a:prstGeom prst="rect">
+            <a:avLst/>
+          </a:prstGeom>
+          <a:gradFill>
+            <a:gsLst>
+              <a:gs pos="0">
+                <a:srgbClr val="000000">
+                  <a:alpha val="50000"/>
+                </a:srgbClr>
+              </a:gs>
+              <a:gs pos="100000">
+                <a:schemeClr val="accent1">
+                  <a:lumMod val="75000"/>
+                </a:schemeClr>
+              </a:gs>
+            </a:gsLst>
+            <a:lin ang="13800000" scaled="0"/>
+          </a:gradFill>
+          <a:ln>
+            <a:noFill/>
+          </a:ln>
+        </p:spPr>
+        <p:style>
+          <a:lnRef idx="2">
+            <a:schemeClr val="accent1">
+              <a:shade val="50000"/>
+            </a:schemeClr>
+          </a:lnRef>
+          <a:fillRef idx="1">
+            <a:schemeClr val="accent1"/>
+          </a:fillRef>
+          <a:effectRef idx="0">
+            <a:schemeClr val="accent1"/>
+          </a:effectRef>
+          <a:fontRef idx="minor">
+            <a:schemeClr val="lt1"/>
+          </a:fontRef>
+        </p:style>
+        <p:txBody>
+          <a:bodyPr rtlCol="0" anchor="ctr"/>
+          <a:lstStyle/>
+          <a:p>
+            <a:pPr algn="ctr"/>
+            <a:endParaRPr lang="en-US"/>
+          </a:p>
+        </p:txBody>
+      </p:sp>
+    </p:spTree>
+    <p:extLst>
+      <p:ext uri="{BB962C8B-B14F-4D97-AF65-F5344CB8AC3E}">
+        <p14:creationId xmlns:p14="http://schemas.microsoft.com/office/powerpoint/2010/main" val="981211491"/>
+      </p:ext>
+    </p:extLst>
+  </p:cSld>
+  <p:clrMapOvr>
+    <a:masterClrMapping/>
+  </p:clrMapOvr>
+</p:sld>
+</file>
+
+<file path=ppt/slides/slide3.xml><?xml version="1.0" encoding="utf-8"?>
+<p:sld xmlns:a="http://schemas.openxmlformats.org/drawingml/2006/main" xmlns:r="http://schemas.openxmlformats.org/officeDocument/2006/relationships" xmlns:p="http://schemas.openxmlformats.org/presentationml/2006/main">
+  <p:cSld>
+    <p:bg>
+      <p:bgPr>
+        <a:solidFill>
+          <a:schemeClr val="bg1"/>
+        </a:solidFill>
+        <a:effectLst/>
+      </p:bgPr>
+    </p:bg>
+    <p:spTree>
+      <p:nvGrpSpPr>
         <p:cNvPr id="1" name="Shape 53"/>
         <p:cNvGrpSpPr/>
         <p:nvPr/>
@@ -4536,453 +6297,7 @@
 </p:sld>
 </file>
 
-<file path=ppt/slides/slide2.xml><?xml version="1.0" encoding="utf-8"?>
-<p:sld xmlns:a="http://schemas.openxmlformats.org/drawingml/2006/main" xmlns:r="http://schemas.openxmlformats.org/officeDocument/2006/relationships" xmlns:p="http://schemas.openxmlformats.org/presentationml/2006/main">
-  <p:cSld>
-    <p:bg>
-      <p:bgPr>
-        <a:solidFill>
-          <a:schemeClr val="bg1"/>
-        </a:solidFill>
-        <a:effectLst/>
-      </p:bgPr>
-    </p:bg>
-    <p:spTree>
-      <p:nvGrpSpPr>
-        <p:cNvPr id="1" name=""/>
-        <p:cNvGrpSpPr/>
-        <p:nvPr/>
-      </p:nvGrpSpPr>
-      <p:grpSpPr>
-        <a:xfrm>
-          <a:off x="0" y="0"/>
-          <a:ext cx="0" cy="0"/>
-          <a:chOff x="0" y="0"/>
-          <a:chExt cx="0" cy="0"/>
-        </a:xfrm>
-      </p:grpSpPr>
-      <p:sp useBgFill="1">
-        <p:nvSpPr>
-          <p:cNvPr id="20" name="Rectangle 9">
-            <a:extLst>
-              <a:ext uri="{FF2B5EF4-FFF2-40B4-BE49-F238E27FC236}">
-                <a16:creationId xmlns:a16="http://schemas.microsoft.com/office/drawing/2014/main" id="{3346177D-ADC4-4968-B747-5CFCD390B5B9}"/>
-              </a:ext>
-              <a:ext uri="{C183D7F6-B498-43B3-948B-1728B52AA6E4}">
-                <adec:decorative xmlns:adec="http://schemas.microsoft.com/office/drawing/2017/decorative" val="1"/>
-              </a:ext>
-            </a:extLst>
-          </p:cNvPr>
-          <p:cNvSpPr>
-            <a:spLocks noGrp="1" noRot="1" noChangeAspect="1" noMove="1" noResize="1" noEditPoints="1" noAdjustHandles="1" noChangeArrowheads="1" noChangeShapeType="1" noTextEdit="1"/>
-          </p:cNvSpPr>
-          <p:nvPr>
-            <p:extLst>
-              <p:ext uri="{386F3935-93C4-4BCD-93E2-E3B085C9AB24}">
-                <p16:designElem xmlns:p16="http://schemas.microsoft.com/office/powerpoint/2015/main" val="1"/>
-              </p:ext>
-            </p:extLst>
-          </p:nvPr>
-        </p:nvSpPr>
-        <p:spPr>
-          <a:xfrm>
-            <a:off x="0" y="0"/>
-            <a:ext cx="9144000" cy="5143500"/>
-          </a:xfrm>
-          <a:prstGeom prst="rect">
-            <a:avLst/>
-          </a:prstGeom>
-          <a:ln w="12700" cap="flat" cmpd="sng" algn="ctr">
-            <a:noFill/>
-            <a:prstDash val="solid"/>
-            <a:miter lim="800000"/>
-          </a:ln>
-          <a:effectLst/>
-          <a:extLst>
-            <a:ext uri="{91240B29-F687-4F45-9708-019B960494DF}">
-              <a14:hiddenLine xmlns:a14="http://schemas.microsoft.com/office/drawing/2010/main" w="12700" cap="flat" cmpd="sng" algn="ctr">
-                <a:solidFill>
-                  <a:schemeClr val="accent1">
-                    <a:shade val="50000"/>
-                  </a:schemeClr>
-                </a:solidFill>
-                <a:prstDash val="solid"/>
-                <a:miter lim="800000"/>
-              </a14:hiddenLine>
-            </a:ext>
-          </a:extLst>
-        </p:spPr>
-        <p:style>
-          <a:lnRef idx="2">
-            <a:schemeClr val="accent1">
-              <a:shade val="50000"/>
-            </a:schemeClr>
-          </a:lnRef>
-          <a:fillRef idx="1">
-            <a:schemeClr val="accent1"/>
-          </a:fillRef>
-          <a:effectRef idx="0">
-            <a:schemeClr val="accent1"/>
-          </a:effectRef>
-          <a:fontRef idx="minor">
-            <a:schemeClr val="lt1"/>
-          </a:fontRef>
-        </p:style>
-        <p:txBody>
-          <a:bodyPr rtlCol="0" anchor="ctr"/>
-          <a:lstStyle/>
-          <a:p>
-            <a:pPr algn="ctr"/>
-            <a:endParaRPr lang="en-US"/>
-          </a:p>
-        </p:txBody>
-      </p:sp>
-      <p:sp>
-        <p:nvSpPr>
-          <p:cNvPr id="2" name="Title 1">
-            <a:extLst>
-              <a:ext uri="{FF2B5EF4-FFF2-40B4-BE49-F238E27FC236}">
-                <a16:creationId xmlns:a16="http://schemas.microsoft.com/office/drawing/2014/main" id="{932FC1E5-67B1-B64F-B65A-C13071FA97DE}"/>
-              </a:ext>
-            </a:extLst>
-          </p:cNvPr>
-          <p:cNvSpPr>
-            <a:spLocks noGrp="1"/>
-          </p:cNvSpPr>
-          <p:nvPr>
-            <p:ph type="title"/>
-          </p:nvPr>
-        </p:nvSpPr>
-        <p:spPr>
-          <a:xfrm>
-            <a:off x="4197375" y="367131"/>
-            <a:ext cx="4316172" cy="573851"/>
-          </a:xfrm>
-        </p:spPr>
-        <p:txBody>
-          <a:bodyPr anchor="b">
-            <a:normAutofit/>
-          </a:bodyPr>
-          <a:lstStyle/>
-          <a:p>
-            <a:r>
-              <a:rPr lang="en-CH" sz="3000" dirty="0"/>
-              <a:t>What is Amazon Macie?</a:t>
-            </a:r>
-          </a:p>
-        </p:txBody>
-      </p:sp>
-      <p:pic>
-        <p:nvPicPr>
-          <p:cNvPr id="7" name="Graphic 6" descr="Laptop Secure">
-            <a:extLst>
-              <a:ext uri="{FF2B5EF4-FFF2-40B4-BE49-F238E27FC236}">
-                <a16:creationId xmlns:a16="http://schemas.microsoft.com/office/drawing/2014/main" id="{A3C623E6-61F8-6E8D-F2EB-79F094EC87CB}"/>
-              </a:ext>
-            </a:extLst>
-          </p:cNvPr>
-          <p:cNvPicPr>
-            <a:picLocks noChangeAspect="1"/>
-          </p:cNvPicPr>
-          <p:nvPr/>
-        </p:nvPicPr>
-        <p:blipFill>
-          <a:blip r:embed="rId2">
-            <a:extLst>
-              <a:ext uri="{28A0092B-C50C-407E-A947-70E740481C1C}">
-                <a14:useLocalDpi xmlns:a14="http://schemas.microsoft.com/office/drawing/2010/main" val="0"/>
-              </a:ext>
-              <a:ext uri="{96DAC541-7B7A-43D3-8B79-37D633B846F1}">
-                <asvg:svgBlip xmlns:asvg="http://schemas.microsoft.com/office/drawing/2016/SVG/main" r:embed="rId3"/>
-              </a:ext>
-            </a:extLst>
-          </a:blip>
-          <a:stretch>
-            <a:fillRect/>
-          </a:stretch>
-        </p:blipFill>
-        <p:spPr>
-          <a:xfrm>
-            <a:off x="801097" y="956302"/>
-            <a:ext cx="2907124" cy="2907124"/>
-          </a:xfrm>
-          <a:prstGeom prst="rect">
-            <a:avLst/>
-          </a:prstGeom>
-        </p:spPr>
-      </p:pic>
-      <p:sp>
-        <p:nvSpPr>
-          <p:cNvPr id="3" name="Content Placeholder 2">
-            <a:extLst>
-              <a:ext uri="{FF2B5EF4-FFF2-40B4-BE49-F238E27FC236}">
-                <a16:creationId xmlns:a16="http://schemas.microsoft.com/office/drawing/2014/main" id="{34F69F76-8FFC-5318-B8D2-6038D66B5605}"/>
-              </a:ext>
-            </a:extLst>
-          </p:cNvPr>
-          <p:cNvSpPr>
-            <a:spLocks noGrp="1"/>
-          </p:cNvSpPr>
-          <p:nvPr>
-            <p:ph idx="1"/>
-          </p:nvPr>
-        </p:nvSpPr>
-        <p:spPr>
-          <a:xfrm>
-            <a:off x="4197375" y="1288386"/>
-            <a:ext cx="4635729" cy="2569862"/>
-          </a:xfrm>
-        </p:spPr>
-        <p:txBody>
-          <a:bodyPr anchor="t">
-            <a:normAutofit/>
-          </a:bodyPr>
-          <a:lstStyle/>
-          <a:p>
-            <a:r>
-              <a:rPr lang="en-GB" sz="1200" b="0" i="0" dirty="0">
-                <a:effectLst/>
-                <a:latin typeface="Readex Pro"/>
-              </a:rPr>
-              <a:t>Amazon Macie is a security service that uses machine learning to automatically discover, classify and protect sensitive data in the AWS.</a:t>
-            </a:r>
-            <a:r>
-              <a:rPr lang="en-GB" sz="1200" b="1" i="0" dirty="0">
-                <a:effectLst/>
-                <a:latin typeface="Readex Pro"/>
-              </a:rPr>
-              <a:t> </a:t>
-            </a:r>
-          </a:p>
-          <a:p>
-            <a:r>
-              <a:rPr lang="en-GB" sz="1200" b="1" i="0" dirty="0">
-                <a:effectLst/>
-                <a:highlight>
-                  <a:srgbClr val="FFFF00"/>
-                </a:highlight>
-                <a:latin typeface="Readex Pro"/>
-              </a:rPr>
-              <a:t>It currently only supports S3</a:t>
-            </a:r>
-            <a:r>
-              <a:rPr lang="en-GB" sz="1200" b="1" i="0" dirty="0">
-                <a:effectLst/>
-                <a:latin typeface="Readex Pro"/>
-              </a:rPr>
-              <a:t>, </a:t>
-            </a:r>
-            <a:r>
-              <a:rPr lang="en-GB" sz="1200" b="0" i="0" dirty="0">
-                <a:effectLst/>
-                <a:latin typeface="Readex Pro"/>
-              </a:rPr>
-              <a:t>but more AWS data stores are planned.</a:t>
-            </a:r>
-          </a:p>
-          <a:p>
-            <a:r>
-              <a:rPr lang="en-GB" sz="1200" b="0" i="0" dirty="0">
-                <a:effectLst/>
-                <a:latin typeface="Readex Pro"/>
-              </a:rPr>
-              <a:t>Macie can </a:t>
-            </a:r>
-            <a:r>
-              <a:rPr lang="en-GB" sz="1200" b="1" i="0" dirty="0">
-                <a:effectLst/>
-                <a:latin typeface="Readex Pro"/>
-              </a:rPr>
-              <a:t>recognize any PII or Protected Health Information (PHI)</a:t>
-            </a:r>
-            <a:r>
-              <a:rPr lang="en-GB" sz="1200" b="0" i="0" dirty="0">
-                <a:effectLst/>
-                <a:latin typeface="Readex Pro"/>
-              </a:rPr>
-              <a:t> that exists in your S3 buckets. </a:t>
-            </a:r>
-          </a:p>
-          <a:p>
-            <a:r>
-              <a:rPr lang="en-GB" sz="1200" b="0" i="0" dirty="0">
-                <a:effectLst/>
-                <a:latin typeface="Readex Pro"/>
-              </a:rPr>
-              <a:t>Macie also monitors the S3 buckets themselves for security and access control. </a:t>
-            </a:r>
-          </a:p>
-          <a:p>
-            <a:r>
-              <a:rPr lang="en-GB" sz="1200" b="0" i="0" dirty="0">
-                <a:effectLst/>
-                <a:latin typeface="Readex Pro"/>
-              </a:rPr>
-              <a:t>This all can help you meet regulations, such as the Health Insurance Portability and Accountability Act (HIPAA) and General Data Privacy Regulation (GDPR) or just continually achieve the security you require in the AWS Cloud environment.</a:t>
-            </a:r>
-          </a:p>
-        </p:txBody>
-      </p:sp>
-      <p:sp>
-        <p:nvSpPr>
-          <p:cNvPr id="21" name="Rectangle 11">
-            <a:extLst>
-              <a:ext uri="{FF2B5EF4-FFF2-40B4-BE49-F238E27FC236}">
-                <a16:creationId xmlns:a16="http://schemas.microsoft.com/office/drawing/2014/main" id="{0844A943-BF79-4FEA-ABB1-3BD54D236606}"/>
-              </a:ext>
-              <a:ext uri="{C183D7F6-B498-43B3-948B-1728B52AA6E4}">
-                <adec:decorative xmlns:adec="http://schemas.microsoft.com/office/drawing/2017/decorative" val="1"/>
-              </a:ext>
-            </a:extLst>
-          </p:cNvPr>
-          <p:cNvSpPr>
-            <a:spLocks noGrp="1" noRot="1" noChangeAspect="1" noMove="1" noResize="1" noEditPoints="1" noAdjustHandles="1" noChangeArrowheads="1" noChangeShapeType="1" noTextEdit="1"/>
-          </p:cNvSpPr>
-          <p:nvPr>
-            <p:extLst>
-              <p:ext uri="{386F3935-93C4-4BCD-93E2-E3B085C9AB24}">
-                <p16:designElem xmlns:p16="http://schemas.microsoft.com/office/powerpoint/2015/main" val="1"/>
-              </p:ext>
-            </p:extLst>
-          </p:nvPr>
-        </p:nvSpPr>
-        <p:spPr>
-          <a:xfrm rot="10800000" flipH="1">
-            <a:off x="0" y="4800599"/>
-            <a:ext cx="9144000" cy="342580"/>
-          </a:xfrm>
-          <a:prstGeom prst="rect">
-            <a:avLst/>
-          </a:prstGeom>
-          <a:gradFill>
-            <a:gsLst>
-              <a:gs pos="0">
-                <a:schemeClr val="accent1"/>
-              </a:gs>
-              <a:gs pos="90000">
-                <a:srgbClr val="000000"/>
-              </a:gs>
-            </a:gsLst>
-            <a:lin ang="2400000" scaled="0"/>
-          </a:gradFill>
-          <a:ln>
-            <a:noFill/>
-          </a:ln>
-        </p:spPr>
-        <p:style>
-          <a:lnRef idx="2">
-            <a:schemeClr val="accent1">
-              <a:shade val="50000"/>
-            </a:schemeClr>
-          </a:lnRef>
-          <a:fillRef idx="1">
-            <a:schemeClr val="accent1"/>
-          </a:fillRef>
-          <a:effectRef idx="0">
-            <a:schemeClr val="accent1"/>
-          </a:effectRef>
-          <a:fontRef idx="minor">
-            <a:schemeClr val="lt1"/>
-          </a:fontRef>
-        </p:style>
-        <p:txBody>
-          <a:bodyPr rtlCol="0" anchor="ctr"/>
-          <a:lstStyle/>
-          <a:p>
-            <a:pPr algn="ctr"/>
-            <a:endParaRPr lang="en-US"/>
-          </a:p>
-        </p:txBody>
-      </p:sp>
-      <p:sp>
-        <p:nvSpPr>
-          <p:cNvPr id="22" name="Rectangle 13">
-            <a:extLst>
-              <a:ext uri="{FF2B5EF4-FFF2-40B4-BE49-F238E27FC236}">
-                <a16:creationId xmlns:a16="http://schemas.microsoft.com/office/drawing/2014/main" id="{6437CC72-F4A8-4DC3-AFAB-D22C482C8100}"/>
-              </a:ext>
-              <a:ext uri="{C183D7F6-B498-43B3-948B-1728B52AA6E4}">
-                <adec:decorative xmlns:adec="http://schemas.microsoft.com/office/drawing/2017/decorative" val="1"/>
-              </a:ext>
-            </a:extLst>
-          </p:cNvPr>
-          <p:cNvSpPr>
-            <a:spLocks noGrp="1" noRot="1" noChangeAspect="1" noMove="1" noResize="1" noEditPoints="1" noAdjustHandles="1" noChangeArrowheads="1" noChangeShapeType="1" noTextEdit="1"/>
-          </p:cNvSpPr>
-          <p:nvPr>
-            <p:extLst>
-              <p:ext uri="{386F3935-93C4-4BCD-93E2-E3B085C9AB24}">
-                <p16:designElem xmlns:p16="http://schemas.microsoft.com/office/powerpoint/2015/main" val="1"/>
-              </p:ext>
-            </p:extLst>
-          </p:nvPr>
-        </p:nvSpPr>
-        <p:spPr>
-          <a:xfrm flipH="1">
-            <a:off x="3028950" y="4800599"/>
-            <a:ext cx="6115048" cy="342579"/>
-          </a:xfrm>
-          <a:prstGeom prst="rect">
-            <a:avLst/>
-          </a:prstGeom>
-          <a:gradFill>
-            <a:gsLst>
-              <a:gs pos="0">
-                <a:srgbClr val="000000">
-                  <a:alpha val="50000"/>
-                </a:srgbClr>
-              </a:gs>
-              <a:gs pos="100000">
-                <a:schemeClr val="accent1">
-                  <a:lumMod val="75000"/>
-                </a:schemeClr>
-              </a:gs>
-            </a:gsLst>
-            <a:lin ang="13800000" scaled="0"/>
-          </a:gradFill>
-          <a:ln>
-            <a:noFill/>
-          </a:ln>
-        </p:spPr>
-        <p:style>
-          <a:lnRef idx="2">
-            <a:schemeClr val="accent1">
-              <a:shade val="50000"/>
-            </a:schemeClr>
-          </a:lnRef>
-          <a:fillRef idx="1">
-            <a:schemeClr val="accent1"/>
-          </a:fillRef>
-          <a:effectRef idx="0">
-            <a:schemeClr val="accent1"/>
-          </a:effectRef>
-          <a:fontRef idx="minor">
-            <a:schemeClr val="lt1"/>
-          </a:fontRef>
-        </p:style>
-        <p:txBody>
-          <a:bodyPr rtlCol="0" anchor="ctr"/>
-          <a:lstStyle/>
-          <a:p>
-            <a:pPr algn="ctr"/>
-            <a:endParaRPr lang="en-US"/>
-          </a:p>
-        </p:txBody>
-      </p:sp>
-    </p:spTree>
-    <p:extLst>
-      <p:ext uri="{BB962C8B-B14F-4D97-AF65-F5344CB8AC3E}">
-        <p14:creationId xmlns:p14="http://schemas.microsoft.com/office/powerpoint/2010/main" val="981211491"/>
-      </p:ext>
-    </p:extLst>
-  </p:cSld>
-  <p:clrMapOvr>
-    <a:masterClrMapping/>
-  </p:clrMapOvr>
-</p:sld>
-</file>
-
-<file path=ppt/slides/slide3.xml><?xml version="1.0" encoding="utf-8"?>
+<file path=ppt/slides/slide4.xml><?xml version="1.0" encoding="utf-8"?>
 <p:sld xmlns:a="http://schemas.openxmlformats.org/drawingml/2006/main" xmlns:r="http://schemas.openxmlformats.org/officeDocument/2006/relationships" xmlns:p="http://schemas.openxmlformats.org/presentationml/2006/main">
   <p:cSld>
     <p:bg>
@@ -5872,7 +7187,7 @@
 </p:sld>
 </file>
 
-<file path=ppt/slides/slide4.xml><?xml version="1.0" encoding="utf-8"?>
+<file path=ppt/slides/slide5.xml><?xml version="1.0" encoding="utf-8"?>
 <p:sld xmlns:a="http://schemas.openxmlformats.org/drawingml/2006/main" xmlns:r="http://schemas.openxmlformats.org/officeDocument/2006/relationships" xmlns:p="http://schemas.openxmlformats.org/presentationml/2006/main">
   <p:cSld>
     <p:bg>
@@ -6311,7 +7626,7 @@
 </p:sld>
 </file>
 
-<file path=ppt/slides/slide5.xml><?xml version="1.0" encoding="utf-8"?>
+<file path=ppt/slides/slide6.xml><?xml version="1.0" encoding="utf-8"?>
 <p:sld xmlns:a="http://schemas.openxmlformats.org/drawingml/2006/main" xmlns:r="http://schemas.openxmlformats.org/officeDocument/2006/relationships" xmlns:p="http://schemas.openxmlformats.org/presentationml/2006/main">
   <p:cSld>
     <p:bg>
@@ -6711,7 +8026,7 @@
 </p:sld>
 </file>
 
-<file path=ppt/slides/slide6.xml><?xml version="1.0" encoding="utf-8"?>
+<file path=ppt/slides/slide7.xml><?xml version="1.0" encoding="utf-8"?>
 <p:sld xmlns:a="http://schemas.openxmlformats.org/drawingml/2006/main" xmlns:r="http://schemas.openxmlformats.org/officeDocument/2006/relationships" xmlns:p="http://schemas.openxmlformats.org/presentationml/2006/main">
   <p:cSld>
     <p:bg>
@@ -7180,7 +8495,7 @@
 </p:sld>
 </file>
 
-<file path=ppt/slides/slide7.xml><?xml version="1.0" encoding="utf-8"?>
+<file path=ppt/slides/slide8.xml><?xml version="1.0" encoding="utf-8"?>
 <p:sld xmlns:a="http://schemas.openxmlformats.org/drawingml/2006/main" xmlns:r="http://schemas.openxmlformats.org/officeDocument/2006/relationships" xmlns:p="http://schemas.openxmlformats.org/presentationml/2006/main">
   <p:cSld>
     <p:bg>
@@ -7205,12 +8520,12 @@
           <a:chExt cx="0" cy="0"/>
         </a:xfrm>
       </p:grpSpPr>
-      <p:sp>
-        <p:nvSpPr>
-          <p:cNvPr id="18" name="Rectangle 9">
-            <a:extLst>
-              <a:ext uri="{FF2B5EF4-FFF2-40B4-BE49-F238E27FC236}">
-                <a16:creationId xmlns:a16="http://schemas.microsoft.com/office/drawing/2014/main" id="{E35A04CF-97D4-4FF7-B359-C546B1F62E54}"/>
+      <p:sp useBgFill="1">
+        <p:nvSpPr>
+          <p:cNvPr id="8" name="Rectangle 7">
+            <a:extLst>
+              <a:ext uri="{FF2B5EF4-FFF2-40B4-BE49-F238E27FC236}">
+                <a16:creationId xmlns:a16="http://schemas.microsoft.com/office/drawing/2014/main" id="{979E27D9-03C7-44E2-9FF8-15D0C8506AF7}"/>
               </a:ext>
               <a:ext uri="{C183D7F6-B498-43B3-948B-1728B52AA6E4}">
                 <adec:decorative xmlns:adec="http://schemas.microsoft.com/office/drawing/2017/decorative" val="1"/>
@@ -7231,16 +8546,247 @@
         <p:spPr>
           <a:xfrm>
             <a:off x="0" y="0"/>
-            <a:ext cx="9143999" cy="5143500"/>
+            <a:ext cx="9144000" cy="5143500"/>
           </a:xfrm>
           <a:prstGeom prst="rect">
             <a:avLst/>
           </a:prstGeom>
-          <a:solidFill>
-            <a:schemeClr val="bg1">
-              <a:lumMod val="85000"/>
+          <a:ln w="12700" cap="flat" cmpd="sng" algn="ctr">
+            <a:noFill/>
+            <a:prstDash val="solid"/>
+            <a:miter lim="800000"/>
+          </a:ln>
+          <a:effectLst/>
+          <a:extLst>
+            <a:ext uri="{91240B29-F687-4F45-9708-019B960494DF}">
+              <a14:hiddenLine xmlns:a14="http://schemas.microsoft.com/office/drawing/2010/main" w="12700" cap="flat" cmpd="sng" algn="ctr">
+                <a:solidFill>
+                  <a:schemeClr val="accent1">
+                    <a:shade val="50000"/>
+                  </a:schemeClr>
+                </a:solidFill>
+                <a:prstDash val="solid"/>
+                <a:miter lim="800000"/>
+              </a14:hiddenLine>
+            </a:ext>
+          </a:extLst>
+        </p:spPr>
+        <p:style>
+          <a:lnRef idx="2">
+            <a:schemeClr val="accent1">
+              <a:shade val="50000"/>
             </a:schemeClr>
-          </a:solidFill>
+          </a:lnRef>
+          <a:fillRef idx="1">
+            <a:schemeClr val="accent1"/>
+          </a:fillRef>
+          <a:effectRef idx="0">
+            <a:schemeClr val="accent1"/>
+          </a:effectRef>
+          <a:fontRef idx="minor">
+            <a:schemeClr val="lt1"/>
+          </a:fontRef>
+        </p:style>
+        <p:txBody>
+          <a:bodyPr rtlCol="0" anchor="ctr"/>
+          <a:lstStyle/>
+          <a:p>
+            <a:pPr algn="ctr"/>
+            <a:endParaRPr lang="en-US"/>
+          </a:p>
+        </p:txBody>
+      </p:sp>
+      <p:sp>
+        <p:nvSpPr>
+          <p:cNvPr id="2" name="Title 1">
+            <a:extLst>
+              <a:ext uri="{FF2B5EF4-FFF2-40B4-BE49-F238E27FC236}">
+                <a16:creationId xmlns:a16="http://schemas.microsoft.com/office/drawing/2014/main" id="{2F5DC5B3-0234-9EBF-753B-796C87B05F75}"/>
+              </a:ext>
+            </a:extLst>
+          </p:cNvPr>
+          <p:cNvSpPr>
+            <a:spLocks noGrp="1"/>
+          </p:cNvSpPr>
+          <p:nvPr>
+            <p:ph type="title"/>
+          </p:nvPr>
+        </p:nvSpPr>
+        <p:spPr>
+          <a:xfrm>
+            <a:off x="852297" y="376515"/>
+            <a:ext cx="7266222" cy="1232227"/>
+          </a:xfrm>
+        </p:spPr>
+        <p:txBody>
+          <a:bodyPr anchor="b">
+            <a:normAutofit/>
+          </a:bodyPr>
+          <a:lstStyle/>
+          <a:p>
+            <a:r>
+              <a:rPr lang="en-CH" sz="3000"/>
+              <a:t>AWS Macie Findings Types</a:t>
+            </a:r>
+          </a:p>
+        </p:txBody>
+      </p:sp>
+      <p:sp>
+        <p:nvSpPr>
+          <p:cNvPr id="3" name="Content Placeholder 2">
+            <a:extLst>
+              <a:ext uri="{FF2B5EF4-FFF2-40B4-BE49-F238E27FC236}">
+                <a16:creationId xmlns:a16="http://schemas.microsoft.com/office/drawing/2014/main" id="{A83EBB05-1C53-2344-53E6-FF446E99E4AE}"/>
+              </a:ext>
+            </a:extLst>
+          </p:cNvPr>
+          <p:cNvSpPr>
+            <a:spLocks noGrp="1"/>
+          </p:cNvSpPr>
+          <p:nvPr>
+            <p:ph idx="1"/>
+          </p:nvPr>
+        </p:nvSpPr>
+        <p:spPr>
+          <a:xfrm>
+            <a:off x="852297" y="1813806"/>
+            <a:ext cx="7266222" cy="2590769"/>
+          </a:xfrm>
+        </p:spPr>
+        <p:txBody>
+          <a:bodyPr anchor="t">
+            <a:normAutofit/>
+          </a:bodyPr>
+          <a:lstStyle/>
+          <a:p>
+            <a:r>
+              <a:rPr lang="en-GB" sz="1400" b="1" dirty="0"/>
+              <a:t>Policy Findings</a:t>
+            </a:r>
+          </a:p>
+          <a:p>
+            <a:pPr lvl="1"/>
+            <a:r>
+              <a:rPr lang="en-GB" sz="1400" dirty="0"/>
+              <a:t>A detailed report of policy violation or issue with the security of S3 bucket </a:t>
+            </a:r>
+          </a:p>
+          <a:p>
+            <a:pPr lvl="1"/>
+            <a:r>
+              <a:rPr lang="en-GB" sz="1400" dirty="0"/>
+              <a:t>Examples: default encryption is disabled, bucket is public, …  </a:t>
+            </a:r>
+          </a:p>
+          <a:p>
+            <a:pPr lvl="1"/>
+            <a:r>
+              <a:rPr lang="en-GB" sz="1400" dirty="0" err="1"/>
+              <a:t>Policy:IAMUser</a:t>
+            </a:r>
+            <a:r>
+              <a:rPr lang="en-GB" sz="1400" dirty="0"/>
+              <a:t>/S3BucketEncryptionDisabled, </a:t>
+            </a:r>
+            <a:r>
+              <a:rPr lang="en-GB" sz="1400" dirty="0" err="1"/>
+              <a:t>Policy:IAMUser</a:t>
+            </a:r>
+            <a:r>
+              <a:rPr lang="en-GB" sz="1400" dirty="0"/>
+              <a:t>/S3BucketPublic </a:t>
+            </a:r>
+          </a:p>
+          <a:p>
+            <a:pPr lvl="1"/>
+            <a:r>
+              <a:rPr lang="en-GB" sz="1400" dirty="0"/>
+              <a:t>Detect changes only after you enable Macie</a:t>
+            </a:r>
+          </a:p>
+          <a:p>
+            <a:r>
+              <a:rPr lang="en-GB" sz="1400" b="1" dirty="0"/>
+              <a:t>Sensitive Data Findings </a:t>
+            </a:r>
+          </a:p>
+          <a:p>
+            <a:pPr lvl="1"/>
+            <a:r>
+              <a:rPr lang="en-GB" sz="1400" dirty="0"/>
+              <a:t>A detailed report of sensitive data that’s found in S3 buckets </a:t>
+            </a:r>
+          </a:p>
+          <a:p>
+            <a:pPr lvl="1"/>
+            <a:r>
+              <a:rPr lang="en-GB" sz="1400" dirty="0"/>
+              <a:t>Examples: Credentials (private keys), Financial (credit card numbers), … </a:t>
+            </a:r>
+          </a:p>
+          <a:p>
+            <a:pPr lvl="1"/>
+            <a:r>
+              <a:rPr lang="en-GB" sz="1400" dirty="0"/>
+              <a:t>SensitiveData:S3Object/Credentials, SensitiveData:S3Object/Financial </a:t>
+            </a:r>
+          </a:p>
+          <a:p>
+            <a:pPr lvl="1"/>
+            <a:r>
+              <a:rPr lang="en-GB" sz="1400" dirty="0"/>
+              <a:t>For Custom Data Identifier SensitiveData:S3Object/</a:t>
+            </a:r>
+            <a:r>
+              <a:rPr lang="en-GB" sz="1400" dirty="0" err="1"/>
+              <a:t>CustomIdentifier</a:t>
+            </a:r>
+            <a:endParaRPr lang="en-CH" sz="1400" dirty="0"/>
+          </a:p>
+        </p:txBody>
+      </p:sp>
+      <p:sp>
+        <p:nvSpPr>
+          <p:cNvPr id="10" name="Rectangle 9">
+            <a:extLst>
+              <a:ext uri="{FF2B5EF4-FFF2-40B4-BE49-F238E27FC236}">
+                <a16:creationId xmlns:a16="http://schemas.microsoft.com/office/drawing/2014/main" id="{EEBF1590-3B36-48EE-A89D-3B6F3CB256AB}"/>
+              </a:ext>
+              <a:ext uri="{C183D7F6-B498-43B3-948B-1728B52AA6E4}">
+                <adec:decorative xmlns:adec="http://schemas.microsoft.com/office/drawing/2017/decorative" val="1"/>
+              </a:ext>
+            </a:extLst>
+          </p:cNvPr>
+          <p:cNvSpPr>
+            <a:spLocks noGrp="1" noRot="1" noChangeAspect="1" noMove="1" noResize="1" noEditPoints="1" noAdjustHandles="1" noChangeArrowheads="1" noChangeShapeType="1" noTextEdit="1"/>
+          </p:cNvSpPr>
+          <p:nvPr>
+            <p:extLst>
+              <p:ext uri="{386F3935-93C4-4BCD-93E2-E3B085C9AB24}">
+                <p16:designElem xmlns:p16="http://schemas.microsoft.com/office/powerpoint/2015/main" val="1"/>
+              </p:ext>
+            </p:extLst>
+          </p:nvPr>
+        </p:nvSpPr>
+        <p:spPr>
+          <a:xfrm rot="10800000" flipH="1">
+            <a:off x="0" y="4800599"/>
+            <a:ext cx="9144000" cy="342580"/>
+          </a:xfrm>
+          <a:prstGeom prst="rect">
+            <a:avLst/>
+          </a:prstGeom>
+          <a:gradFill>
+            <a:gsLst>
+              <a:gs pos="0">
+                <a:schemeClr val="accent1"/>
+              </a:gs>
+              <a:gs pos="78000">
+                <a:srgbClr val="000000"/>
+              </a:gs>
+            </a:gsLst>
+            <a:lin ang="2400000" scaled="0"/>
+          </a:gradFill>
           <a:ln>
             <a:noFill/>
           </a:ln>
@@ -7272,10 +8818,10 @@
       </p:sp>
       <p:sp>
         <p:nvSpPr>
-          <p:cNvPr id="19" name="Freeform: Shape 11">
-            <a:extLst>
-              <a:ext uri="{FF2B5EF4-FFF2-40B4-BE49-F238E27FC236}">
-                <a16:creationId xmlns:a16="http://schemas.microsoft.com/office/drawing/2014/main" id="{1DE7243B-5109-444B-8FAF-7437C66BC0E9}"/>
+          <p:cNvPr id="12" name="Rectangle 11">
+            <a:extLst>
+              <a:ext uri="{FF2B5EF4-FFF2-40B4-BE49-F238E27FC236}">
+                <a16:creationId xmlns:a16="http://schemas.microsoft.com/office/drawing/2014/main" id="{AC8F6C8C-AB5A-4548-942D-E3FD40ACBC49}"/>
               </a:ext>
               <a:ext uri="{C183D7F6-B498-43B3-948B-1728B52AA6E4}">
                 <adec:decorative xmlns:adec="http://schemas.microsoft.com/office/drawing/2017/decorative" val="1"/>
@@ -7295,88 +8841,27 @@
         </p:nvSpPr>
         <p:spPr>
           <a:xfrm flipH="1">
-            <a:off x="0" y="0"/>
-            <a:ext cx="3315999" cy="5143500"/>
+            <a:off x="3028950" y="4800599"/>
+            <a:ext cx="6115048" cy="342579"/>
           </a:xfrm>
-          <a:custGeom>
+          <a:prstGeom prst="rect">
             <a:avLst/>
-            <a:gdLst>
-              <a:gd name="connsiteX0" fmla="*/ 4421332 w 4421332"/>
-              <a:gd name="connsiteY0" fmla="*/ 0 h 6858000"/>
-              <a:gd name="connsiteX1" fmla="*/ 69075 w 4421332"/>
-              <a:gd name="connsiteY1" fmla="*/ 0 h 6858000"/>
-              <a:gd name="connsiteX2" fmla="*/ 35131 w 4421332"/>
-              <a:gd name="connsiteY2" fmla="*/ 267128 h 6858000"/>
-              <a:gd name="connsiteX3" fmla="*/ 0 w 4421332"/>
-              <a:gd name="connsiteY3" fmla="*/ 962845 h 6858000"/>
-              <a:gd name="connsiteX4" fmla="*/ 3276103 w 4421332"/>
-              <a:gd name="connsiteY4" fmla="*/ 6782205 h 6858000"/>
-              <a:gd name="connsiteX5" fmla="*/ 3407923 w 4421332"/>
-              <a:gd name="connsiteY5" fmla="*/ 6858000 h 6858000"/>
-              <a:gd name="connsiteX6" fmla="*/ 4421332 w 4421332"/>
-              <a:gd name="connsiteY6" fmla="*/ 6858000 h 6858000"/>
-            </a:gdLst>
-            <a:ahLst/>
-            <a:cxnLst>
-              <a:cxn ang="0">
-                <a:pos x="connsiteX0" y="connsiteY0"/>
-              </a:cxn>
-              <a:cxn ang="0">
-                <a:pos x="connsiteX1" y="connsiteY1"/>
-              </a:cxn>
-              <a:cxn ang="0">
-                <a:pos x="connsiteX2" y="connsiteY2"/>
-              </a:cxn>
-              <a:cxn ang="0">
-                <a:pos x="connsiteX3" y="connsiteY3"/>
-              </a:cxn>
-              <a:cxn ang="0">
-                <a:pos x="connsiteX4" y="connsiteY4"/>
-              </a:cxn>
-              <a:cxn ang="0">
-                <a:pos x="connsiteX5" y="connsiteY5"/>
-              </a:cxn>
-              <a:cxn ang="0">
-                <a:pos x="connsiteX6" y="connsiteY6"/>
-              </a:cxn>
-            </a:cxnLst>
-            <a:rect l="l" t="t" r="r" b="b"/>
-            <a:pathLst>
-              <a:path w="4421332" h="6858000">
-                <a:moveTo>
-                  <a:pt x="4421332" y="0"/>
-                </a:moveTo>
-                <a:lnTo>
-                  <a:pt x="69075" y="0"/>
-                </a:lnTo>
-                <a:lnTo>
-                  <a:pt x="35131" y="267128"/>
-                </a:lnTo>
-                <a:cubicBezTo>
-                  <a:pt x="11901" y="495874"/>
-                  <a:pt x="0" y="727970"/>
-                  <a:pt x="0" y="962845"/>
-                </a:cubicBezTo>
-                <a:cubicBezTo>
-                  <a:pt x="0" y="3429034"/>
-                  <a:pt x="1312002" y="5588789"/>
-                  <a:pt x="3276103" y="6782205"/>
-                </a:cubicBezTo>
-                <a:lnTo>
-                  <a:pt x="3407923" y="6858000"/>
-                </a:lnTo>
-                <a:lnTo>
-                  <a:pt x="4421332" y="6858000"/>
-                </a:lnTo>
-                <a:close/>
-              </a:path>
-            </a:pathLst>
-          </a:custGeom>
-          <a:solidFill>
-            <a:srgbClr val="FFFFFF">
-              <a:alpha val="80000"/>
-            </a:srgbClr>
-          </a:solidFill>
+          </a:prstGeom>
+          <a:gradFill>
+            <a:gsLst>
+              <a:gs pos="0">
+                <a:srgbClr val="000000">
+                  <a:alpha val="63000"/>
+                </a:srgbClr>
+              </a:gs>
+              <a:gs pos="100000">
+                <a:schemeClr val="accent1">
+                  <a:lumMod val="75000"/>
+                </a:schemeClr>
+              </a:gs>
+            </a:gsLst>
+            <a:lin ang="13800000" scaled="0"/>
+          </a:gradFill>
           <a:ln>
             <a:noFill/>
           </a:ln>
@@ -7398,51 +8883,58 @@
           </a:fontRef>
         </p:style>
         <p:txBody>
-          <a:bodyPr wrap="square" rtlCol="0" anchor="ctr">
-            <a:noAutofit/>
-          </a:bodyPr>
-          <a:lstStyle/>
-          <a:p>
-            <a:pPr marL="0" marR="0" lvl="0" indent="0" algn="ctr" defTabSz="914400" rtl="0" eaLnBrk="1" fontAlgn="auto" latinLnBrk="0" hangingPunct="1">
-              <a:lnSpc>
-                <a:spcPct val="100000"/>
-              </a:lnSpc>
-              <a:spcBef>
-                <a:spcPts val="0"/>
-              </a:spcBef>
-              <a:spcAft>
-                <a:spcPts val="0"/>
-              </a:spcAft>
-              <a:buClrTx/>
-              <a:buSzTx/>
-              <a:buFontTx/>
-              <a:buNone/>
-              <a:tabLst/>
-              <a:defRPr/>
-            </a:pPr>
-            <a:endParaRPr kumimoji="0" lang="en-US" sz="1800" b="0" i="0" u="none" strike="noStrike" kern="1200" cap="none" spc="0" normalizeH="0" baseline="0" noProof="0">
-              <a:ln>
-                <a:noFill/>
-              </a:ln>
-              <a:solidFill>
-                <a:prstClr val="white"/>
-              </a:solidFill>
-              <a:effectLst/>
-              <a:uLnTx/>
-              <a:uFillTx/>
-              <a:latin typeface="Calibri" panose="020F0502020204030204"/>
-              <a:ea typeface="+mn-ea"/>
-              <a:cs typeface="+mn-cs"/>
-            </a:endParaRPr>
-          </a:p>
-        </p:txBody>
-      </p:sp>
-      <p:sp>
-        <p:nvSpPr>
-          <p:cNvPr id="14" name="Freeform: Shape 13">
-            <a:extLst>
-              <a:ext uri="{FF2B5EF4-FFF2-40B4-BE49-F238E27FC236}">
-                <a16:creationId xmlns:a16="http://schemas.microsoft.com/office/drawing/2014/main" id="{4C5D6221-DA7B-4611-AA26-7D8E349FDE96}"/>
+          <a:bodyPr rtlCol="0" anchor="ctr"/>
+          <a:lstStyle/>
+          <a:p>
+            <a:pPr algn="ctr"/>
+            <a:endParaRPr lang="en-US"/>
+          </a:p>
+        </p:txBody>
+      </p:sp>
+    </p:spTree>
+    <p:extLst>
+      <p:ext uri="{BB962C8B-B14F-4D97-AF65-F5344CB8AC3E}">
+        <p14:creationId xmlns:p14="http://schemas.microsoft.com/office/powerpoint/2010/main" val="2700519491"/>
+      </p:ext>
+    </p:extLst>
+  </p:cSld>
+  <p:clrMapOvr>
+    <a:masterClrMapping/>
+  </p:clrMapOvr>
+</p:sld>
+</file>
+
+<file path=ppt/slides/slide9.xml><?xml version="1.0" encoding="utf-8"?>
+<p:sld xmlns:a="http://schemas.openxmlformats.org/drawingml/2006/main" xmlns:r="http://schemas.openxmlformats.org/officeDocument/2006/relationships" xmlns:p="http://schemas.openxmlformats.org/presentationml/2006/main">
+  <p:cSld>
+    <p:bg>
+      <p:bgPr>
+        <a:solidFill>
+          <a:schemeClr val="bg1"/>
+        </a:solidFill>
+        <a:effectLst/>
+      </p:bgPr>
+    </p:bg>
+    <p:spTree>
+      <p:nvGrpSpPr>
+        <p:cNvPr id="1" name=""/>
+        <p:cNvGrpSpPr/>
+        <p:nvPr/>
+      </p:nvGrpSpPr>
+      <p:grpSpPr>
+        <a:xfrm>
+          <a:off x="0" y="0"/>
+          <a:ext cx="0" cy="0"/>
+          <a:chOff x="0" y="0"/>
+          <a:chExt cx="0" cy="0"/>
+        </a:xfrm>
+      </p:grpSpPr>
+      <p:sp useBgFill="1">
+        <p:nvSpPr>
+          <p:cNvPr id="15" name="Rectangle 14">
+            <a:extLst>
+              <a:ext uri="{FF2B5EF4-FFF2-40B4-BE49-F238E27FC236}">
+                <a16:creationId xmlns:a16="http://schemas.microsoft.com/office/drawing/2014/main" id="{979E27D9-03C7-44E2-9FF8-15D0C8506AF7}"/>
               </a:ext>
               <a:ext uri="{C183D7F6-B498-43B3-948B-1728B52AA6E4}">
                 <adec:decorative xmlns:adec="http://schemas.microsoft.com/office/drawing/2017/decorative" val="1"/>
@@ -7463,85 +8955,260 @@
         <p:spPr>
           <a:xfrm>
             <a:off x="0" y="0"/>
-            <a:ext cx="3174171" cy="5143500"/>
+            <a:ext cx="9144000" cy="5143500"/>
           </a:xfrm>
-          <a:custGeom>
+          <a:prstGeom prst="rect">
             <a:avLst/>
-            <a:gdLst>
-              <a:gd name="connsiteX0" fmla="*/ 0 w 4232227"/>
-              <a:gd name="connsiteY0" fmla="*/ 0 h 6858000"/>
-              <a:gd name="connsiteX1" fmla="*/ 4161853 w 4232227"/>
-              <a:gd name="connsiteY1" fmla="*/ 0 h 6858000"/>
-              <a:gd name="connsiteX2" fmla="*/ 4197953 w 4232227"/>
-              <a:gd name="connsiteY2" fmla="*/ 284091 h 6858000"/>
-              <a:gd name="connsiteX3" fmla="*/ 4232227 w 4232227"/>
-              <a:gd name="connsiteY3" fmla="*/ 962844 h 6858000"/>
-              <a:gd name="connsiteX4" fmla="*/ 758007 w 4232227"/>
-              <a:gd name="connsiteY4" fmla="*/ 6800152 h 6858000"/>
-              <a:gd name="connsiteX5" fmla="*/ 645060 w 4232227"/>
-              <a:gd name="connsiteY5" fmla="*/ 6858000 h 6858000"/>
-              <a:gd name="connsiteX6" fmla="*/ 0 w 4232227"/>
-              <a:gd name="connsiteY6" fmla="*/ 6858000 h 6858000"/>
-            </a:gdLst>
-            <a:ahLst/>
-            <a:cxnLst>
-              <a:cxn ang="0">
-                <a:pos x="connsiteX0" y="connsiteY0"/>
-              </a:cxn>
-              <a:cxn ang="0">
-                <a:pos x="connsiteX1" y="connsiteY1"/>
-              </a:cxn>
-              <a:cxn ang="0">
-                <a:pos x="connsiteX2" y="connsiteY2"/>
-              </a:cxn>
-              <a:cxn ang="0">
-                <a:pos x="connsiteX3" y="connsiteY3"/>
-              </a:cxn>
-              <a:cxn ang="0">
-                <a:pos x="connsiteX4" y="connsiteY4"/>
-              </a:cxn>
-              <a:cxn ang="0">
-                <a:pos x="connsiteX5" y="connsiteY5"/>
-              </a:cxn>
-              <a:cxn ang="0">
-                <a:pos x="connsiteX6" y="connsiteY6"/>
-              </a:cxn>
-            </a:cxnLst>
-            <a:rect l="l" t="t" r="r" b="b"/>
-            <a:pathLst>
-              <a:path w="4232227" h="6858000">
-                <a:moveTo>
-                  <a:pt x="0" y="0"/>
-                </a:moveTo>
-                <a:lnTo>
-                  <a:pt x="4161853" y="0"/>
-                </a:lnTo>
-                <a:lnTo>
-                  <a:pt x="4197953" y="284091"/>
-                </a:lnTo>
-                <a:cubicBezTo>
-                  <a:pt x="4220617" y="507260"/>
-                  <a:pt x="4232227" y="733696"/>
-                  <a:pt x="4232227" y="962844"/>
-                </a:cubicBezTo>
-                <a:cubicBezTo>
-                  <a:pt x="4232227" y="3483472"/>
-                  <a:pt x="2827409" y="5675986"/>
-                  <a:pt x="758007" y="6800152"/>
-                </a:cubicBezTo>
-                <a:lnTo>
-                  <a:pt x="645060" y="6858000"/>
-                </a:lnTo>
-                <a:lnTo>
-                  <a:pt x="0" y="6858000"/>
-                </a:lnTo>
-                <a:close/>
-              </a:path>
-            </a:pathLst>
-          </a:custGeom>
-          <a:solidFill>
-            <a:srgbClr val="404040"/>
-          </a:solidFill>
+          </a:prstGeom>
+          <a:ln w="12700" cap="flat" cmpd="sng" algn="ctr">
+            <a:noFill/>
+            <a:prstDash val="solid"/>
+            <a:miter lim="800000"/>
+          </a:ln>
+          <a:effectLst/>
+          <a:extLst>
+            <a:ext uri="{91240B29-F687-4F45-9708-019B960494DF}">
+              <a14:hiddenLine xmlns:a14="http://schemas.microsoft.com/office/drawing/2010/main" w="12700" cap="flat" cmpd="sng" algn="ctr">
+                <a:solidFill>
+                  <a:schemeClr val="accent1">
+                    <a:shade val="50000"/>
+                  </a:schemeClr>
+                </a:solidFill>
+                <a:prstDash val="solid"/>
+                <a:miter lim="800000"/>
+              </a14:hiddenLine>
+            </a:ext>
+          </a:extLst>
+        </p:spPr>
+        <p:style>
+          <a:lnRef idx="2">
+            <a:schemeClr val="accent1">
+              <a:shade val="50000"/>
+            </a:schemeClr>
+          </a:lnRef>
+          <a:fillRef idx="1">
+            <a:schemeClr val="accent1"/>
+          </a:fillRef>
+          <a:effectRef idx="0">
+            <a:schemeClr val="accent1"/>
+          </a:effectRef>
+          <a:fontRef idx="minor">
+            <a:schemeClr val="lt1"/>
+          </a:fontRef>
+        </p:style>
+        <p:txBody>
+          <a:bodyPr rtlCol="0" anchor="ctr"/>
+          <a:lstStyle/>
+          <a:p>
+            <a:pPr algn="ctr"/>
+            <a:endParaRPr lang="en-US"/>
+          </a:p>
+        </p:txBody>
+      </p:sp>
+      <p:sp>
+        <p:nvSpPr>
+          <p:cNvPr id="2" name="Title 1">
+            <a:extLst>
+              <a:ext uri="{FF2B5EF4-FFF2-40B4-BE49-F238E27FC236}">
+                <a16:creationId xmlns:a16="http://schemas.microsoft.com/office/drawing/2014/main" id="{2BDFEE5E-5051-0B0F-AFFA-4C090702865B}"/>
+              </a:ext>
+            </a:extLst>
+          </p:cNvPr>
+          <p:cNvSpPr>
+            <a:spLocks noGrp="1"/>
+          </p:cNvSpPr>
+          <p:nvPr>
+            <p:ph type="title"/>
+          </p:nvPr>
+        </p:nvSpPr>
+        <p:spPr>
+          <a:xfrm>
+            <a:off x="852297" y="376515"/>
+            <a:ext cx="3719703" cy="1232227"/>
+          </a:xfrm>
+        </p:spPr>
+        <p:txBody>
+          <a:bodyPr anchor="b">
+            <a:normAutofit/>
+          </a:bodyPr>
+          <a:lstStyle/>
+          <a:p>
+            <a:r>
+              <a:rPr lang="en-CH" sz="3000"/>
+              <a:t>AWS Macie Multi Account</a:t>
+            </a:r>
+          </a:p>
+        </p:txBody>
+      </p:sp>
+      <p:sp>
+        <p:nvSpPr>
+          <p:cNvPr id="3" name="Content Placeholder 2">
+            <a:extLst>
+              <a:ext uri="{FF2B5EF4-FFF2-40B4-BE49-F238E27FC236}">
+                <a16:creationId xmlns:a16="http://schemas.microsoft.com/office/drawing/2014/main" id="{DF1726BE-37AB-63AD-E45F-206A98ECD375}"/>
+              </a:ext>
+            </a:extLst>
+          </p:cNvPr>
+          <p:cNvSpPr>
+            <a:spLocks noGrp="1"/>
+          </p:cNvSpPr>
+          <p:nvPr>
+            <p:ph idx="1"/>
+          </p:nvPr>
+        </p:nvSpPr>
+        <p:spPr>
+          <a:xfrm>
+            <a:off x="476451" y="1813806"/>
+            <a:ext cx="4095549" cy="2641926"/>
+          </a:xfrm>
+        </p:spPr>
+        <p:txBody>
+          <a:bodyPr anchor="t">
+            <a:normAutofit/>
+          </a:bodyPr>
+          <a:lstStyle/>
+          <a:p>
+            <a:r>
+              <a:rPr lang="en-GB" sz="1050" dirty="0"/>
+              <a:t>You can manage multiple accounts in Macie </a:t>
+            </a:r>
+          </a:p>
+          <a:p>
+            <a:r>
+              <a:rPr lang="en-GB" sz="1050" dirty="0"/>
+              <a:t>Associate the Member accounts with the Administrator account </a:t>
+            </a:r>
+          </a:p>
+          <a:p>
+            <a:pPr lvl="1"/>
+            <a:r>
+              <a:rPr lang="en-GB" sz="1050" dirty="0"/>
+              <a:t>Through an AWS Organization </a:t>
+            </a:r>
+          </a:p>
+          <a:p>
+            <a:pPr lvl="1"/>
+            <a:r>
+              <a:rPr lang="en-GB" sz="1050" dirty="0"/>
+              <a:t>Sending invitation through Macie </a:t>
+            </a:r>
+          </a:p>
+          <a:p>
+            <a:pPr lvl="1"/>
+            <a:r>
+              <a:rPr lang="en-GB" sz="1050" dirty="0"/>
+              <a:t>Supports Delegated Administrator in an AWS Organization </a:t>
+            </a:r>
+          </a:p>
+          <a:p>
+            <a:r>
+              <a:rPr lang="en-GB" sz="1050" dirty="0"/>
+              <a:t>Administrator account can:</a:t>
+            </a:r>
+          </a:p>
+          <a:p>
+            <a:pPr lvl="1"/>
+            <a:r>
+              <a:rPr lang="en-GB" sz="1050" dirty="0"/>
+              <a:t>Add and remove member accounts </a:t>
+            </a:r>
+          </a:p>
+          <a:p>
+            <a:pPr lvl="1"/>
+            <a:r>
+              <a:rPr lang="en-GB" sz="1050" dirty="0"/>
+              <a:t>Have access to all S3 sensitive data and settings for all accounts</a:t>
+            </a:r>
+          </a:p>
+          <a:p>
+            <a:pPr lvl="1"/>
+            <a:r>
+              <a:rPr lang="en-GB" sz="1050" dirty="0"/>
+              <a:t>Manage Automated Sensitive Data Discovery and run Data Discovery jobs </a:t>
+            </a:r>
+          </a:p>
+          <a:p>
+            <a:pPr lvl="1"/>
+            <a:r>
+              <a:rPr lang="en-GB" sz="1050" dirty="0"/>
+              <a:t>Manage Data Identifiers and Findings</a:t>
+            </a:r>
+            <a:endParaRPr lang="en-CH" sz="1050" dirty="0"/>
+          </a:p>
+        </p:txBody>
+      </p:sp>
+      <p:pic>
+        <p:nvPicPr>
+          <p:cNvPr id="4" name="Picture 3" descr="A diagram of a company&#10;&#10;Description automatically generated">
+            <a:extLst>
+              <a:ext uri="{FF2B5EF4-FFF2-40B4-BE49-F238E27FC236}">
+                <a16:creationId xmlns:a16="http://schemas.microsoft.com/office/drawing/2014/main" id="{DBA7F686-F62C-8B33-EE35-F4A18390597B}"/>
+              </a:ext>
+            </a:extLst>
+          </p:cNvPr>
+          <p:cNvPicPr>
+            <a:picLocks noChangeAspect="1"/>
+          </p:cNvPicPr>
+          <p:nvPr/>
+        </p:nvPicPr>
+        <p:blipFill>
+          <a:blip r:embed="rId2"/>
+          <a:stretch>
+            <a:fillRect/>
+          </a:stretch>
+        </p:blipFill>
+        <p:spPr>
+          <a:xfrm>
+            <a:off x="4884331" y="1553546"/>
+            <a:ext cx="3900767" cy="1726089"/>
+          </a:xfrm>
+          <a:prstGeom prst="rect">
+            <a:avLst/>
+          </a:prstGeom>
+        </p:spPr>
+      </p:pic>
+      <p:sp>
+        <p:nvSpPr>
+          <p:cNvPr id="16" name="Rectangle 15">
+            <a:extLst>
+              <a:ext uri="{FF2B5EF4-FFF2-40B4-BE49-F238E27FC236}">
+                <a16:creationId xmlns:a16="http://schemas.microsoft.com/office/drawing/2014/main" id="{EEBF1590-3B36-48EE-A89D-3B6F3CB256AB}"/>
+              </a:ext>
+              <a:ext uri="{C183D7F6-B498-43B3-948B-1728B52AA6E4}">
+                <adec:decorative xmlns:adec="http://schemas.microsoft.com/office/drawing/2017/decorative" val="1"/>
+              </a:ext>
+            </a:extLst>
+          </p:cNvPr>
+          <p:cNvSpPr>
+            <a:spLocks noGrp="1" noRot="1" noChangeAspect="1" noMove="1" noResize="1" noEditPoints="1" noAdjustHandles="1" noChangeArrowheads="1" noChangeShapeType="1" noTextEdit="1"/>
+          </p:cNvSpPr>
+          <p:nvPr>
+            <p:extLst>
+              <p:ext uri="{386F3935-93C4-4BCD-93E2-E3B085C9AB24}">
+                <p16:designElem xmlns:p16="http://schemas.microsoft.com/office/powerpoint/2015/main" val="1"/>
+              </p:ext>
+            </p:extLst>
+          </p:nvPr>
+        </p:nvSpPr>
+        <p:spPr>
+          <a:xfrm rot="10800000" flipH="1">
+            <a:off x="0" y="4800599"/>
+            <a:ext cx="9144000" cy="342580"/>
+          </a:xfrm>
+          <a:prstGeom prst="rect">
+            <a:avLst/>
+          </a:prstGeom>
+          <a:gradFill>
+            <a:gsLst>
+              <a:gs pos="0">
+                <a:schemeClr val="accent1"/>
+              </a:gs>
+              <a:gs pos="78000">
+                <a:srgbClr val="000000"/>
+              </a:gs>
+            </a:gsLst>
+            <a:lin ang="2400000" scaled="0"/>
+          </a:gradFill>
           <a:ln>
             <a:noFill/>
           </a:ln>
@@ -7563,328 +9230,93 @@
           </a:fontRef>
         </p:style>
         <p:txBody>
-          <a:bodyPr wrap="square" rtlCol="0" anchor="ctr">
-            <a:noAutofit/>
-          </a:bodyPr>
-          <a:lstStyle/>
-          <a:p>
-            <a:pPr marL="0" marR="0" lvl="0" indent="0" algn="ctr" defTabSz="914400" rtl="0" eaLnBrk="1" fontAlgn="auto" latinLnBrk="0" hangingPunct="1">
-              <a:lnSpc>
-                <a:spcPct val="100000"/>
-              </a:lnSpc>
-              <a:spcBef>
-                <a:spcPts val="0"/>
-              </a:spcBef>
-              <a:spcAft>
-                <a:spcPts val="0"/>
-              </a:spcAft>
-              <a:buClrTx/>
-              <a:buSzTx/>
-              <a:buFontTx/>
-              <a:buNone/>
-              <a:tabLst/>
-              <a:defRPr/>
-            </a:pPr>
-            <a:endParaRPr kumimoji="0" lang="en-US" sz="1800" b="0" i="0" u="none" strike="noStrike" kern="1200" cap="none" spc="0" normalizeH="0" baseline="0" noProof="0">
-              <a:ln>
-                <a:noFill/>
-              </a:ln>
-              <a:solidFill>
-                <a:prstClr val="white"/>
-              </a:solidFill>
-              <a:effectLst/>
-              <a:uLnTx/>
-              <a:uFillTx/>
-              <a:latin typeface="Calibri" panose="020F0502020204030204"/>
-              <a:ea typeface="+mn-ea"/>
-              <a:cs typeface="+mn-cs"/>
-            </a:endParaRPr>
-          </a:p>
-        </p:txBody>
-      </p:sp>
-      <p:sp>
-        <p:nvSpPr>
-          <p:cNvPr id="2" name="Title 1">
-            <a:extLst>
-              <a:ext uri="{FF2B5EF4-FFF2-40B4-BE49-F238E27FC236}">
-                <a16:creationId xmlns:a16="http://schemas.microsoft.com/office/drawing/2014/main" id="{32E4A77A-D71E-E76E-051D-0E3D7174E5B3}"/>
-              </a:ext>
-            </a:extLst>
-          </p:cNvPr>
-          <p:cNvSpPr>
-            <a:spLocks noGrp="1"/>
-          </p:cNvSpPr>
-          <p:nvPr>
-            <p:ph type="title"/>
+          <a:bodyPr rtlCol="0" anchor="ctr"/>
+          <a:lstStyle/>
+          <a:p>
+            <a:pPr algn="ctr"/>
+            <a:endParaRPr lang="en-US"/>
+          </a:p>
+        </p:txBody>
+      </p:sp>
+      <p:sp>
+        <p:nvSpPr>
+          <p:cNvPr id="17" name="Rectangle 16">
+            <a:extLst>
+              <a:ext uri="{FF2B5EF4-FFF2-40B4-BE49-F238E27FC236}">
+                <a16:creationId xmlns:a16="http://schemas.microsoft.com/office/drawing/2014/main" id="{AC8F6C8C-AB5A-4548-942D-E3FD40ACBC49}"/>
+              </a:ext>
+              <a:ext uri="{C183D7F6-B498-43B3-948B-1728B52AA6E4}">
+                <adec:decorative xmlns:adec="http://schemas.microsoft.com/office/drawing/2017/decorative" val="1"/>
+              </a:ext>
+            </a:extLst>
+          </p:cNvPr>
+          <p:cNvSpPr>
+            <a:spLocks noGrp="1" noRot="1" noChangeAspect="1" noMove="1" noResize="1" noEditPoints="1" noAdjustHandles="1" noChangeArrowheads="1" noChangeShapeType="1" noTextEdit="1"/>
+          </p:cNvSpPr>
+          <p:nvPr>
+            <p:extLst>
+              <p:ext uri="{386F3935-93C4-4BCD-93E2-E3B085C9AB24}">
+                <p16:designElem xmlns:p16="http://schemas.microsoft.com/office/powerpoint/2015/main" val="1"/>
+              </p:ext>
+            </p:extLst>
           </p:nvPr>
         </p:nvSpPr>
         <p:spPr>
-          <a:xfrm>
-            <a:off x="603504" y="1059366"/>
-            <a:ext cx="2153321" cy="1617466"/>
-          </a:xfrm>
-        </p:spPr>
-        <p:txBody>
-          <a:bodyPr vert="horz" lIns="91440" tIns="45720" rIns="91440" bIns="45720" rtlCol="0" anchor="t">
-            <a:normAutofit/>
-          </a:bodyPr>
-          <a:lstStyle/>
-          <a:p>
-            <a:pPr defTabSz="914400"/>
-            <a:r>
-              <a:rPr lang="en-US" sz="2700" b="0" i="0" kern="1200">
-                <a:solidFill>
-                  <a:srgbClr val="FFFFFF"/>
-                </a:solidFill>
-                <a:effectLst/>
-                <a:latin typeface="+mj-lt"/>
-                <a:ea typeface="+mj-ea"/>
-                <a:cs typeface="+mj-cs"/>
-              </a:rPr>
-              <a:t>Amazon Macie vs. Amazon GuardDuty</a:t>
-            </a:r>
-            <a:endParaRPr lang="en-US" sz="2700" kern="1200">
-              <a:solidFill>
-                <a:srgbClr val="FFFFFF"/>
-              </a:solidFill>
-              <a:latin typeface="+mj-lt"/>
-              <a:ea typeface="+mj-ea"/>
-              <a:cs typeface="+mj-cs"/>
-            </a:endParaRPr>
-          </a:p>
-        </p:txBody>
-      </p:sp>
-      <p:sp>
-        <p:nvSpPr>
-          <p:cNvPr id="3" name="Content Placeholder 2">
-            <a:extLst>
-              <a:ext uri="{FF2B5EF4-FFF2-40B4-BE49-F238E27FC236}">
-                <a16:creationId xmlns:a16="http://schemas.microsoft.com/office/drawing/2014/main" id="{F9D6F4CA-828E-6ABE-81B8-6A9DF9B51F4D}"/>
-              </a:ext>
-            </a:extLst>
-          </p:cNvPr>
-          <p:cNvSpPr>
-            <a:spLocks noGrp="1"/>
-          </p:cNvSpPr>
-          <p:nvPr>
-            <p:ph idx="1"/>
-          </p:nvPr>
-        </p:nvSpPr>
-        <p:spPr>
-          <a:xfrm>
-            <a:off x="4977476" y="466497"/>
-            <a:ext cx="2420301" cy="1310123"/>
-          </a:xfrm>
-        </p:spPr>
-        <p:txBody>
-          <a:bodyPr vert="horz" lIns="91440" tIns="45720" rIns="91440" bIns="45720" rtlCol="0">
-            <a:normAutofit/>
-          </a:bodyPr>
-          <a:lstStyle/>
-          <a:p>
-            <a:pPr marL="0" indent="0" defTabSz="914400">
-              <a:buNone/>
-            </a:pPr>
-            <a:r>
-              <a:rPr lang="en-US" sz="1400" b="1" i="0" dirty="0">
-                <a:effectLst/>
-              </a:rPr>
-              <a:t>Macie</a:t>
-            </a:r>
-            <a:r>
-              <a:rPr lang="en-US" sz="1400" b="0" i="0" dirty="0">
-                <a:effectLst/>
-              </a:rPr>
-              <a:t> only looks into S3 buckets and intelligently classifies data to help you ensure the proper access controls are applied to those data.</a:t>
-            </a:r>
-          </a:p>
-          <a:p>
-            <a:pPr marL="0" indent="0" defTabSz="914400">
-              <a:buNone/>
-            </a:pPr>
-            <a:endParaRPr lang="en-US" sz="1400" dirty="0"/>
-          </a:p>
-        </p:txBody>
-      </p:sp>
-      <p:sp>
-        <p:nvSpPr>
-          <p:cNvPr id="5" name="TextBox 4">
-            <a:extLst>
-              <a:ext uri="{FF2B5EF4-FFF2-40B4-BE49-F238E27FC236}">
-                <a16:creationId xmlns:a16="http://schemas.microsoft.com/office/drawing/2014/main" id="{ACDA8E6D-7F10-07D9-189D-E07C43898E80}"/>
-              </a:ext>
-            </a:extLst>
-          </p:cNvPr>
-          <p:cNvSpPr txBox="1"/>
-          <p:nvPr/>
-        </p:nvSpPr>
-        <p:spPr>
-          <a:xfrm>
-            <a:off x="6187627" y="2571750"/>
-            <a:ext cx="2713858" cy="2105253"/>
+          <a:xfrm flipH="1">
+            <a:off x="3028950" y="4800599"/>
+            <a:ext cx="6115048" cy="342579"/>
           </a:xfrm>
           <a:prstGeom prst="rect">
             <a:avLst/>
           </a:prstGeom>
+          <a:gradFill>
+            <a:gsLst>
+              <a:gs pos="0">
+                <a:srgbClr val="000000">
+                  <a:alpha val="63000"/>
+                </a:srgbClr>
+              </a:gs>
+              <a:gs pos="100000">
+                <a:schemeClr val="accent1">
+                  <a:lumMod val="75000"/>
+                </a:schemeClr>
+              </a:gs>
+            </a:gsLst>
+            <a:lin ang="13800000" scaled="0"/>
+          </a:gradFill>
+          <a:ln>
+            <a:noFill/>
+          </a:ln>
         </p:spPr>
-        <p:txBody>
-          <a:bodyPr vert="horz" lIns="91440" tIns="45720" rIns="91440" bIns="45720" rtlCol="0">
-            <a:normAutofit/>
-          </a:bodyPr>
-          <a:lstStyle/>
-          <a:p>
-            <a:pPr>
-              <a:lnSpc>
-                <a:spcPct val="90000"/>
-              </a:lnSpc>
-              <a:spcAft>
-                <a:spcPts val="600"/>
-              </a:spcAft>
-            </a:pPr>
-            <a:r>
-              <a:rPr lang="en-US" sz="1500" b="1" i="0" dirty="0" err="1">
-                <a:effectLst/>
-              </a:rPr>
-              <a:t>GuardDuty</a:t>
-            </a:r>
-            <a:r>
-              <a:rPr lang="en-US" sz="1500" b="1" i="0" dirty="0">
-                <a:effectLst/>
-              </a:rPr>
-              <a:t> monitors:</a:t>
-            </a:r>
-            <a:endParaRPr lang="en-US" sz="1500" b="0" i="0" dirty="0">
-              <a:effectLst/>
-            </a:endParaRPr>
-          </a:p>
-          <a:p>
-            <a:pPr indent="-228600">
-              <a:lnSpc>
-                <a:spcPct val="90000"/>
-              </a:lnSpc>
-              <a:spcAft>
-                <a:spcPts val="600"/>
-              </a:spcAft>
-              <a:buFont typeface="Arial" panose="020B0604020202020204" pitchFamily="34" charset="0"/>
-              <a:buChar char="•"/>
-            </a:pPr>
-            <a:r>
-              <a:rPr lang="en-US" sz="1500" b="0" dirty="0">
-                <a:effectLst/>
-              </a:rPr>
-              <a:t>Abnormal API activity</a:t>
-            </a:r>
-          </a:p>
-          <a:p>
-            <a:pPr indent="-228600">
-              <a:lnSpc>
-                <a:spcPct val="90000"/>
-              </a:lnSpc>
-              <a:spcAft>
-                <a:spcPts val="600"/>
-              </a:spcAft>
-              <a:buFont typeface="Arial" panose="020B0604020202020204" pitchFamily="34" charset="0"/>
-              <a:buChar char="•"/>
-            </a:pPr>
-            <a:r>
-              <a:rPr lang="en-US" sz="1500" b="0" dirty="0">
-                <a:effectLst/>
-              </a:rPr>
-              <a:t>Attempts to disable AWS CloudTrail logging</a:t>
-            </a:r>
-          </a:p>
-          <a:p>
-            <a:pPr indent="-228600">
-              <a:lnSpc>
-                <a:spcPct val="90000"/>
-              </a:lnSpc>
-              <a:spcAft>
-                <a:spcPts val="600"/>
-              </a:spcAft>
-              <a:buFont typeface="Arial" panose="020B0604020202020204" pitchFamily="34" charset="0"/>
-              <a:buChar char="•"/>
-            </a:pPr>
-            <a:r>
-              <a:rPr lang="en-US" sz="1500" b="0" dirty="0">
-                <a:effectLst/>
-              </a:rPr>
-              <a:t>Potential unauthorized deployment and compromised instances</a:t>
-            </a:r>
-          </a:p>
-          <a:p>
-            <a:pPr indent="-228600">
-              <a:lnSpc>
-                <a:spcPct val="90000"/>
-              </a:lnSpc>
-              <a:spcAft>
-                <a:spcPts val="600"/>
-              </a:spcAft>
-              <a:buFont typeface="Arial" panose="020B0604020202020204" pitchFamily="34" charset="0"/>
-              <a:buChar char="•"/>
-            </a:pPr>
-            <a:r>
-              <a:rPr lang="en-US" sz="1500" b="0" dirty="0">
-                <a:effectLst/>
-              </a:rPr>
-              <a:t>S3 bucket compromise</a:t>
-            </a:r>
-          </a:p>
-        </p:txBody>
-      </p:sp>
-      <p:sp>
-        <p:nvSpPr>
-          <p:cNvPr id="7" name="TextBox 6">
-            <a:extLst>
-              <a:ext uri="{FF2B5EF4-FFF2-40B4-BE49-F238E27FC236}">
-                <a16:creationId xmlns:a16="http://schemas.microsoft.com/office/drawing/2014/main" id="{432D6812-C865-333D-D28C-6951869ADA88}"/>
-              </a:ext>
-            </a:extLst>
-          </p:cNvPr>
-          <p:cNvSpPr txBox="1"/>
-          <p:nvPr/>
-        </p:nvSpPr>
-        <p:spPr>
-          <a:xfrm>
-            <a:off x="3777675" y="2571750"/>
-            <a:ext cx="2420301" cy="1384995"/>
-          </a:xfrm>
-          <a:prstGeom prst="rect">
-            <a:avLst/>
-          </a:prstGeom>
-          <a:noFill/>
-        </p:spPr>
-        <p:txBody>
-          <a:bodyPr wrap="square">
-            <a:spAutoFit/>
-          </a:bodyPr>
-          <a:lstStyle/>
-          <a:p>
-            <a:pPr indent="-228600" defTabSz="914400"/>
-            <a:r>
-              <a:rPr lang="en-US" sz="1400" b="1" i="0" dirty="0">
-                <a:effectLst/>
-              </a:rPr>
-              <a:t>Amazon </a:t>
-            </a:r>
-            <a:r>
-              <a:rPr lang="en-US" sz="1400" b="1" i="0" dirty="0" err="1">
-                <a:effectLst/>
-              </a:rPr>
-              <a:t>GuardDuty</a:t>
-            </a:r>
-            <a:r>
-              <a:rPr lang="en-US" sz="1400" b="0" i="0" dirty="0">
-                <a:effectLst/>
-              </a:rPr>
-              <a:t> uses intelligent and continuous threat detection of your AWS accounts, data stored in Amazon S3, and workloads to reduce risk.</a:t>
-            </a:r>
+        <p:style>
+          <a:lnRef idx="2">
+            <a:schemeClr val="accent1">
+              <a:shade val="50000"/>
+            </a:schemeClr>
+          </a:lnRef>
+          <a:fillRef idx="1">
+            <a:schemeClr val="accent1"/>
+          </a:fillRef>
+          <a:effectRef idx="0">
+            <a:schemeClr val="accent1"/>
+          </a:effectRef>
+          <a:fontRef idx="minor">
+            <a:schemeClr val="lt1"/>
+          </a:fontRef>
+        </p:style>
+        <p:txBody>
+          <a:bodyPr rtlCol="0" anchor="ctr"/>
+          <a:lstStyle/>
+          <a:p>
+            <a:pPr algn="ctr"/>
+            <a:endParaRPr lang="en-US"/>
           </a:p>
         </p:txBody>
       </p:sp>
     </p:spTree>
     <p:extLst>
       <p:ext uri="{BB962C8B-B14F-4D97-AF65-F5344CB8AC3E}">
-        <p14:creationId xmlns:p14="http://schemas.microsoft.com/office/powerpoint/2010/main" val="3149152198"/>
+        <p14:creationId xmlns:p14="http://schemas.microsoft.com/office/powerpoint/2010/main" val="1289093336"/>
       </p:ext>
     </p:extLst>
   </p:cSld>

--- a/lecture-materials/Security/macie/macie.pptx
+++ b/lecture-materials/Security/macie/macie.pptx
@@ -577,6 +577,67 @@
 </file>
 
 <file path=ppt/notesSlides/notesSlide1.xml><?xml version="1.0" encoding="utf-8"?>
+<p:notes xmlns:a="http://schemas.openxmlformats.org/drawingml/2006/main" xmlns:r="http://schemas.openxmlformats.org/officeDocument/2006/relationships" xmlns:p="http://schemas.openxmlformats.org/presentationml/2006/main">
+  <p:cSld>
+    <p:spTree>
+      <p:nvGrpSpPr>
+        <p:cNvPr id="1" name=""/>
+        <p:cNvGrpSpPr/>
+        <p:nvPr/>
+      </p:nvGrpSpPr>
+      <p:grpSpPr>
+        <a:xfrm>
+          <a:off x="0" y="0"/>
+          <a:ext cx="0" cy="0"/>
+          <a:chOff x="0" y="0"/>
+          <a:chExt cx="0" cy="0"/>
+        </a:xfrm>
+      </p:grpSpPr>
+      <p:sp>
+        <p:nvSpPr>
+          <p:cNvPr id="2" name="Slide Image Placeholder 1"/>
+          <p:cNvSpPr>
+            <a:spLocks noGrp="1" noRot="1" noChangeAspect="1"/>
+          </p:cNvSpPr>
+          <p:nvPr>
+            <p:ph type="sldImg"/>
+          </p:nvPr>
+        </p:nvSpPr>
+        <p:spPr/>
+      </p:sp>
+      <p:sp>
+        <p:nvSpPr>
+          <p:cNvPr id="3" name="Notes Placeholder 2"/>
+          <p:cNvSpPr>
+            <a:spLocks noGrp="1"/>
+          </p:cNvSpPr>
+          <p:nvPr>
+            <p:ph type="body" idx="1"/>
+          </p:nvPr>
+        </p:nvSpPr>
+        <p:spPr/>
+        <p:txBody>
+          <a:bodyPr/>
+          <a:lstStyle/>
+          <a:p>
+            <a:endParaRPr lang="en-CH" dirty="0"/>
+          </a:p>
+        </p:txBody>
+      </p:sp>
+    </p:spTree>
+    <p:extLst>
+      <p:ext uri="{BB962C8B-B14F-4D97-AF65-F5344CB8AC3E}">
+        <p14:creationId xmlns:p14="http://schemas.microsoft.com/office/powerpoint/2010/main" val="3879447278"/>
+      </p:ext>
+    </p:extLst>
+  </p:cSld>
+  <p:clrMapOvr>
+    <a:masterClrMapping/>
+  </p:clrMapOvr>
+</p:notes>
+</file>
+
+<file path=ppt/notesSlides/notesSlide2.xml><?xml version="1.0" encoding="utf-8"?>
 <p:notes xmlns:a="http://schemas.openxmlformats.org/drawingml/2006/main" xmlns:r="http://schemas.openxmlformats.org/officeDocument/2006/relationships" xmlns:p="http://schemas.openxmlformats.org/presentationml/2006/main" showMasterSp="0" showMasterPhAnim="0">
   <p:cSld>
     <p:spTree>
@@ -829,7 +890,7 @@
           <a:p>
             <a:fld id="{9AB3A824-1A51-4B26-AD58-A6D8E14F6C04}" type="datetimeFigureOut">
               <a:rPr lang="en-US" smtClean="0"/>
-              <a:t>12/26/23</a:t>
+              <a:t>2/14/24</a:t>
             </a:fld>
             <a:endParaRPr lang="en-US" dirty="0"/>
           </a:p>
@@ -1044,7 +1105,7 @@
           <a:p>
             <a:fld id="{D857E33E-8B18-4087-B112-809917729534}" type="datetimeFigureOut">
               <a:rPr lang="en-US" smtClean="0"/>
-              <a:t>12/26/23</a:t>
+              <a:t>2/14/24</a:t>
             </a:fld>
             <a:endParaRPr lang="en-US" dirty="0"/>
           </a:p>
@@ -1269,7 +1330,7 @@
           <a:p>
             <a:fld id="{D3FFE419-2371-464F-8239-3959401C3561}" type="datetimeFigureOut">
               <a:rPr lang="en-US" smtClean="0"/>
-              <a:t>12/26/23</a:t>
+              <a:t>2/14/24</a:t>
             </a:fld>
             <a:endParaRPr lang="en-US" dirty="0"/>
           </a:p>
@@ -1484,7 +1545,7 @@
           <a:p>
             <a:fld id="{97D162C4-EDD9-4389-A98B-B87ECEA2A816}" type="datetimeFigureOut">
               <a:rPr lang="en-US" smtClean="0"/>
-              <a:t>12/26/23</a:t>
+              <a:t>2/14/24</a:t>
             </a:fld>
             <a:endParaRPr lang="en-US" dirty="0"/>
           </a:p>
@@ -1775,7 +1836,7 @@
           <a:p>
             <a:fld id="{3E5059C3-6A89-4494-99FF-5A4D6FFD50EB}" type="datetimeFigureOut">
               <a:rPr lang="en-US" smtClean="0"/>
-              <a:t>12/26/23</a:t>
+              <a:t>2/14/24</a:t>
             </a:fld>
             <a:endParaRPr lang="en-US" dirty="0"/>
           </a:p>
@@ -2058,7 +2119,7 @@
           <a:p>
             <a:fld id="{CA954B2F-12DE-47F5-8894-472B206D2E1E}" type="datetimeFigureOut">
               <a:rPr lang="en-US" smtClean="0"/>
-              <a:t>12/26/23</a:t>
+              <a:t>2/14/24</a:t>
             </a:fld>
             <a:endParaRPr lang="en-US" dirty="0"/>
           </a:p>
@@ -2488,7 +2549,7 @@
           <a:p>
             <a:fld id="{3F30E46F-7819-4ACF-B48B-48222C2ACC88}" type="datetimeFigureOut">
               <a:rPr lang="en-US" smtClean="0"/>
-              <a:t>12/26/23</a:t>
+              <a:t>2/14/24</a:t>
             </a:fld>
             <a:endParaRPr lang="en-US" dirty="0"/>
           </a:p>
@@ -2645,7 +2706,7 @@
           <a:p>
             <a:fld id="{1FAF3416-4057-4DAA-829D-4CA07428D088}" type="datetimeFigureOut">
               <a:rPr lang="en-US" smtClean="0"/>
-              <a:t>12/26/23</a:t>
+              <a:t>2/14/24</a:t>
             </a:fld>
             <a:endParaRPr lang="en-US" dirty="0"/>
           </a:p>
@@ -2773,7 +2834,7 @@
           <a:p>
             <a:fld id="{921D9284-D300-4297-87F7-E791DCC15DB1}" type="datetimeFigureOut">
               <a:rPr lang="en-US" smtClean="0"/>
-              <a:t>12/26/23</a:t>
+              <a:t>2/14/24</a:t>
             </a:fld>
             <a:endParaRPr lang="en-US" dirty="0"/>
           </a:p>
@@ -3100,7 +3161,7 @@
           <a:p>
             <a:fld id="{37D525BB-DA17-4BA0-B3C8-3AC3ABC827E6}" type="datetimeFigureOut">
               <a:rPr lang="en-US" smtClean="0"/>
-              <a:t>12/26/23</a:t>
+              <a:t>2/14/24</a:t>
             </a:fld>
             <a:endParaRPr lang="en-US" dirty="0"/>
           </a:p>
@@ -3404,7 +3465,7 @@
           <a:p>
             <a:fld id="{B16C4C9A-3960-41CF-A4E9-2A8FB932454B}" type="datetimeFigureOut">
               <a:rPr lang="en-US" smtClean="0"/>
-              <a:t>12/26/23</a:t>
+              <a:t>2/14/24</a:t>
             </a:fld>
             <a:endParaRPr lang="en-US" dirty="0"/>
           </a:p>
@@ -3662,7 +3723,7 @@
           <a:p>
             <a:fld id="{3CBC1C18-307B-4F68-A007-B5B542270E8D}" type="datetimeFigureOut">
               <a:rPr lang="en-US" smtClean="0"/>
-              <a:t>12/26/23</a:t>
+              <a:t>2/14/24</a:t>
             </a:fld>
             <a:endParaRPr lang="en-US" dirty="0"/>
           </a:p>
@@ -5127,7 +5188,7 @@
           <a:p>
             <a:pPr defTabSz="914400"/>
             <a:r>
-              <a:rPr lang="en-US" sz="2700" b="0" i="0" kern="1200">
+              <a:rPr lang="en-US" sz="2700" b="0" i="0" kern="1200" dirty="0">
                 <a:solidFill>
                   <a:srgbClr val="FFFFFF"/>
                 </a:solidFill>
@@ -5136,9 +5197,21 @@
                 <a:ea typeface="+mj-ea"/>
                 <a:cs typeface="+mj-cs"/>
               </a:rPr>
-              <a:t>Amazon Macie vs. Amazon GuardDuty</a:t>
-            </a:r>
-            <a:endParaRPr lang="en-US" sz="2700" kern="1200">
+              <a:t>Amazon Macie vs. Amazon </a:t>
+            </a:r>
+            <a:r>
+              <a:rPr lang="en-US" sz="2700" b="0" i="0" kern="1200" dirty="0" err="1">
+                <a:solidFill>
+                  <a:srgbClr val="FFFFFF"/>
+                </a:solidFill>
+                <a:effectLst/>
+                <a:latin typeface="+mj-lt"/>
+                <a:ea typeface="+mj-ea"/>
+                <a:cs typeface="+mj-cs"/>
+              </a:rPr>
+              <a:t>GuardDuty</a:t>
+            </a:r>
+            <a:endParaRPr lang="en-US" sz="2700" kern="1200" dirty="0">
               <a:solidFill>
                 <a:srgbClr val="FFFFFF"/>
               </a:solidFill>
@@ -5340,8 +5413,8 @@
         </p:nvSpPr>
         <p:spPr>
           <a:xfrm>
-            <a:off x="3777675" y="2571750"/>
-            <a:ext cx="2420301" cy="1384995"/>
+            <a:off x="3777676" y="2571750"/>
+            <a:ext cx="2313636" cy="1384995"/>
           </a:xfrm>
           <a:prstGeom prst="rect">
             <a:avLst/>
